--- a/Practical Machine Learning/Optimizing Decision Trees and Random Forest Models.pptx
+++ b/Practical Machine Learning/Optimizing Decision Trees and Random Forest Models.pptx
@@ -15,8 +15,6 @@
     <p:sldId id="265" r:id="rId9"/>
     <p:sldId id="266" r:id="rId10"/>
     <p:sldId id="267" r:id="rId11"/>
-    <p:sldId id="268" r:id="rId12"/>
-    <p:sldId id="269" r:id="rId13"/>
   </p:sldIdLst>
   <p:sldSz cx="12192000" cy="6858000"/>
   <p:notesSz cx="6858000" cy="9144000"/>
@@ -3921,7 +3919,7 @@
           <a:p>
             <a:r>
               <a:rPr lang="en-US" dirty="0" smtClean="0"/>
-              <a:t>Performance</a:t>
+              <a:t>Performance Evaluation</a:t>
             </a:r>
             <a:endParaRPr lang="en-US" dirty="0"/>
           </a:p>
@@ -3937,22 +3935,31 @@
             <p:ph idx="1"/>
           </p:nvPr>
         </p:nvSpPr>
-        <p:spPr/>
-        <p:txBody>
-          <a:bodyPr/>
-          <a:lstStyle/>
-          <a:p>
-            <a:r>
-              <a:rPr lang="en-US" dirty="0" smtClean="0"/>
-              <a:t>Performance of each model against test set after </a:t>
-            </a:r>
-            <a:r>
-              <a:rPr lang="en-US" dirty="0" err="1" smtClean="0"/>
-              <a:t>hyperparameter</a:t>
-            </a:r>
-            <a:r>
-              <a:rPr lang="en-US" dirty="0" smtClean="0"/>
-              <a:t> optimization</a:t>
+        <p:spPr>
+          <a:xfrm>
+            <a:off x="6182138" y="1845734"/>
+            <a:ext cx="4973541" cy="4023360"/>
+          </a:xfrm>
+        </p:spPr>
+        <p:txBody>
+          <a:bodyPr/>
+          <a:lstStyle/>
+          <a:p>
+            <a:pPr marL="0" indent="0">
+              <a:buNone/>
+            </a:pPr>
+            <a:r>
+              <a:rPr lang="en-US" dirty="0" smtClean="0"/>
+              <a:t>Random Forest model performed better than Decision Tree in accuracy and AUC. </a:t>
+            </a:r>
+          </a:p>
+          <a:p>
+            <a:pPr marL="0" indent="0">
+              <a:buNone/>
+            </a:pPr>
+            <a:r>
+              <a:rPr lang="en-US" dirty="0" smtClean="0"/>
+              <a:t>Random Forest model’s ROC curve is the closest to the ideal. </a:t>
             </a:r>
           </a:p>
           <a:p>
@@ -3960,6 +3967,35 @@
               <a:buNone/>
             </a:pPr>
             <a:endParaRPr lang="en-US" dirty="0"/>
+          </a:p>
+          <a:p>
+            <a:pPr marL="0" indent="0">
+              <a:buNone/>
+            </a:pPr>
+            <a:endParaRPr lang="en-US" dirty="0" smtClean="0"/>
+          </a:p>
+          <a:p>
+            <a:pPr marL="0" indent="0">
+              <a:buNone/>
+            </a:pPr>
+            <a:endParaRPr lang="en-US" dirty="0"/>
+          </a:p>
+          <a:p>
+            <a:pPr marL="0" indent="0">
+              <a:buNone/>
+            </a:pPr>
+            <a:r>
+              <a:rPr lang="en-US" b="1" dirty="0" smtClean="0"/>
+              <a:t>Conclusion: Use Random Forest with </a:t>
+            </a:r>
+            <a:r>
+              <a:rPr lang="en-US" b="1" dirty="0" err="1" smtClean="0"/>
+              <a:t>hyperparameter</a:t>
+            </a:r>
+            <a:r>
+              <a:rPr lang="en-US" b="1" dirty="0" smtClean="0"/>
+              <a:t> optimization</a:t>
+            </a:r>
           </a:p>
         </p:txBody>
       </p:sp>
@@ -3972,13 +4008,13 @@
           <p:nvPr>
             <p:extLst>
               <p:ext uri="{D42A27DB-BD31-4B8C-83A1-F6EECF244321}">
-                <p14:modId xmlns:p14="http://schemas.microsoft.com/office/powerpoint/2010/main" val="2945625927"/>
+                <p14:modId xmlns:p14="http://schemas.microsoft.com/office/powerpoint/2010/main" val="1804402972"/>
               </p:ext>
             </p:extLst>
           </p:nvPr>
         </p:nvGraphicFramePr>
         <p:xfrm>
-          <a:off x="2396435" y="2349682"/>
+          <a:off x="1416876" y="1872188"/>
           <a:ext cx="4227006" cy="1107440"/>
         </p:xfrm>
         <a:graphic>
@@ -4178,105 +4214,23 @@
           </a:graphicData>
         </a:graphic>
       </p:graphicFrame>
-    </p:spTree>
-    <p:extLst>
-      <p:ext uri="{BB962C8B-B14F-4D97-AF65-F5344CB8AC3E}">
-        <p14:creationId xmlns:p14="http://schemas.microsoft.com/office/powerpoint/2010/main" val="3961938802"/>
-      </p:ext>
-    </p:extLst>
-  </p:cSld>
-  <p:clrMapOvr>
-    <a:masterClrMapping/>
-  </p:clrMapOvr>
-</p:sld>
-</file>
-
-<file path=ppt/slides/slide11.xml><?xml version="1.0" encoding="utf-8"?>
-<p:sld xmlns:a="http://schemas.openxmlformats.org/drawingml/2006/main" xmlns:r="http://schemas.openxmlformats.org/officeDocument/2006/relationships" xmlns:p="http://schemas.openxmlformats.org/presentationml/2006/main">
-  <p:cSld>
-    <p:spTree>
-      <p:nvGrpSpPr>
-        <p:cNvPr id="1" name=""/>
-        <p:cNvGrpSpPr/>
-        <p:nvPr/>
-      </p:nvGrpSpPr>
-      <p:grpSpPr>
-        <a:xfrm>
-          <a:off x="0" y="0"/>
-          <a:ext cx="0" cy="0"/>
-          <a:chOff x="0" y="0"/>
-          <a:chExt cx="0" cy="0"/>
-        </a:xfrm>
-      </p:grpSpPr>
-      <p:sp>
-        <p:nvSpPr>
-          <p:cNvPr id="2" name="Title 1"/>
-          <p:cNvSpPr>
-            <a:spLocks noGrp="1"/>
-          </p:cNvSpPr>
-          <p:nvPr>
-            <p:ph type="title"/>
-          </p:nvPr>
-        </p:nvSpPr>
-        <p:spPr/>
-        <p:txBody>
-          <a:bodyPr/>
-          <a:lstStyle/>
-          <a:p>
-            <a:r>
-              <a:rPr lang="en-US" dirty="0" smtClean="0"/>
-              <a:t>Performance</a:t>
-            </a:r>
-            <a:endParaRPr lang="en-US" dirty="0"/>
-          </a:p>
-        </p:txBody>
-      </p:sp>
-      <p:sp>
-        <p:nvSpPr>
-          <p:cNvPr id="3" name="Content Placeholder 2"/>
-          <p:cNvSpPr>
-            <a:spLocks noGrp="1"/>
-          </p:cNvSpPr>
-          <p:nvPr>
-            <p:ph idx="1"/>
-          </p:nvPr>
-        </p:nvSpPr>
-        <p:spPr/>
-        <p:txBody>
-          <a:bodyPr/>
-          <a:lstStyle/>
-          <a:p>
-            <a:r>
-              <a:rPr lang="en-US" dirty="0" smtClean="0"/>
-              <a:t>ROC Curves for each model</a:t>
-            </a:r>
-          </a:p>
-          <a:p>
-            <a:pPr marL="0" indent="0">
-              <a:buNone/>
-            </a:pPr>
-            <a:endParaRPr lang="en-US" dirty="0"/>
-          </a:p>
-        </p:txBody>
-      </p:sp>
       <p:pic>
         <p:nvPicPr>
-          <p:cNvPr id="4" name="Picture 3"/>
+          <p:cNvPr id="6" name="Picture 5"/>
           <p:cNvPicPr>
             <a:picLocks noChangeAspect="1"/>
           </p:cNvPicPr>
           <p:nvPr/>
         </p:nvPicPr>
-        <p:blipFill>
+        <p:blipFill rotWithShape="1">
           <a:blip r:embed="rId2"/>
-          <a:stretch>
-            <a:fillRect/>
-          </a:stretch>
+          <a:srcRect t="5744"/>
+          <a:stretch/>
         </p:blipFill>
         <p:spPr>
           <a:xfrm>
-            <a:off x="1097280" y="2136842"/>
-            <a:ext cx="6363694" cy="3927309"/>
+            <a:off x="1097280" y="3038473"/>
+            <a:ext cx="4866198" cy="2830621"/>
           </a:xfrm>
           <a:prstGeom prst="rect">
             <a:avLst/>
@@ -4286,83 +4240,7 @@
     </p:spTree>
     <p:extLst>
       <p:ext uri="{BB962C8B-B14F-4D97-AF65-F5344CB8AC3E}">
-        <p14:creationId xmlns:p14="http://schemas.microsoft.com/office/powerpoint/2010/main" val="3537108672"/>
-      </p:ext>
-    </p:extLst>
-  </p:cSld>
-  <p:clrMapOvr>
-    <a:masterClrMapping/>
-  </p:clrMapOvr>
-</p:sld>
-</file>
-
-<file path=ppt/slides/slide12.xml><?xml version="1.0" encoding="utf-8"?>
-<p:sld xmlns:a="http://schemas.openxmlformats.org/drawingml/2006/main" xmlns:r="http://schemas.openxmlformats.org/officeDocument/2006/relationships" xmlns:p="http://schemas.openxmlformats.org/presentationml/2006/main">
-  <p:cSld>
-    <p:spTree>
-      <p:nvGrpSpPr>
-        <p:cNvPr id="1" name=""/>
-        <p:cNvGrpSpPr/>
-        <p:nvPr/>
-      </p:nvGrpSpPr>
-      <p:grpSpPr>
-        <a:xfrm>
-          <a:off x="0" y="0"/>
-          <a:ext cx="0" cy="0"/>
-          <a:chOff x="0" y="0"/>
-          <a:chExt cx="0" cy="0"/>
-        </a:xfrm>
-      </p:grpSpPr>
-      <p:sp>
-        <p:nvSpPr>
-          <p:cNvPr id="2" name="Title 1"/>
-          <p:cNvSpPr>
-            <a:spLocks noGrp="1"/>
-          </p:cNvSpPr>
-          <p:nvPr>
-            <p:ph type="title"/>
-          </p:nvPr>
-        </p:nvSpPr>
-        <p:spPr/>
-        <p:txBody>
-          <a:bodyPr/>
-          <a:lstStyle/>
-          <a:p>
-            <a:r>
-              <a:rPr lang="en-US" dirty="0" smtClean="0"/>
-              <a:t>Conclusion</a:t>
-            </a:r>
-            <a:endParaRPr lang="en-US" dirty="0"/>
-          </a:p>
-        </p:txBody>
-      </p:sp>
-      <p:sp>
-        <p:nvSpPr>
-          <p:cNvPr id="3" name="Content Placeholder 2"/>
-          <p:cNvSpPr>
-            <a:spLocks noGrp="1"/>
-          </p:cNvSpPr>
-          <p:nvPr>
-            <p:ph idx="1"/>
-          </p:nvPr>
-        </p:nvSpPr>
-        <p:spPr/>
-        <p:txBody>
-          <a:bodyPr/>
-          <a:lstStyle/>
-          <a:p>
-            <a:r>
-              <a:rPr lang="en-US" dirty="0" smtClean="0"/>
-              <a:t>Random Forest model performed the best again</a:t>
-            </a:r>
-            <a:endParaRPr lang="en-US" dirty="0"/>
-          </a:p>
-        </p:txBody>
-      </p:sp>
-    </p:spTree>
-    <p:extLst>
-      <p:ext uri="{BB962C8B-B14F-4D97-AF65-F5344CB8AC3E}">
-        <p14:creationId xmlns:p14="http://schemas.microsoft.com/office/powerpoint/2010/main" val="3749252966"/>
+        <p14:creationId xmlns:p14="http://schemas.microsoft.com/office/powerpoint/2010/main" val="3961938802"/>
       </p:ext>
     </p:extLst>
   </p:cSld>

--- a/Practical Machine Learning/Optimizing Decision Trees and Random Forest Models.pptx
+++ b/Practical Machine Learning/Optimizing Decision Trees and Random Forest Models.pptx
@@ -8,13 +8,17 @@
     <p:sldId id="256" r:id="rId2"/>
     <p:sldId id="257" r:id="rId3"/>
     <p:sldId id="258" r:id="rId4"/>
-    <p:sldId id="259" r:id="rId5"/>
-    <p:sldId id="260" r:id="rId6"/>
-    <p:sldId id="261" r:id="rId7"/>
-    <p:sldId id="262" r:id="rId8"/>
-    <p:sldId id="265" r:id="rId9"/>
-    <p:sldId id="266" r:id="rId10"/>
-    <p:sldId id="267" r:id="rId11"/>
+    <p:sldId id="268" r:id="rId5"/>
+    <p:sldId id="269" r:id="rId6"/>
+    <p:sldId id="259" r:id="rId7"/>
+    <p:sldId id="260" r:id="rId8"/>
+    <p:sldId id="261" r:id="rId9"/>
+    <p:sldId id="262" r:id="rId10"/>
+    <p:sldId id="265" r:id="rId11"/>
+    <p:sldId id="266" r:id="rId12"/>
+    <p:sldId id="271" r:id="rId13"/>
+    <p:sldId id="267" r:id="rId14"/>
+    <p:sldId id="270" r:id="rId15"/>
   </p:sldIdLst>
   <p:sldSz cx="12192000" cy="6858000"/>
   <p:notesSz cx="6858000" cy="9144000"/>
@@ -113,6 +117,11 @@
       </a:defRPr>
     </a:lvl9pPr>
   </p:defaultTextStyle>
+  <p:extLst>
+    <p:ext uri="{EFAFB233-063F-42B5-8137-9DF3F51BA10A}">
+      <p15:sldGuideLst xmlns:p15="http://schemas.microsoft.com/office/powerpoint/2012/main"/>
+    </p:ext>
+  </p:extLst>
 </p:presentation>
 </file>
 
@@ -3882,6 +3891,13 @@
   <p:clrMapOvr>
     <a:masterClrMapping/>
   </p:clrMapOvr>
+  <p:timing>
+    <p:tnLst>
+      <p:par>
+        <p:cTn id="1" dur="indefinite" restart="never" nodeType="tmRoot"/>
+      </p:par>
+    </p:tnLst>
+  </p:timing>
 </p:sld>
 </file>
 
@@ -3919,7 +3935,7 @@
           <a:p>
             <a:r>
               <a:rPr lang="en-US" dirty="0" smtClean="0"/>
-              <a:t>Performance Evaluation</a:t>
+              <a:t>Random Forest Model</a:t>
             </a:r>
             <a:endParaRPr lang="en-US" dirty="0"/>
           </a:p>
@@ -3935,38 +3951,33 @@
             <p:ph idx="1"/>
           </p:nvPr>
         </p:nvSpPr>
-        <p:spPr>
-          <a:xfrm>
-            <a:off x="6182138" y="1845734"/>
-            <a:ext cx="4973541" cy="4023360"/>
-          </a:xfrm>
-        </p:spPr>
+        <p:spPr/>
         <p:txBody>
           <a:bodyPr/>
           <a:lstStyle/>
           <a:p>
-            <a:pPr marL="0" indent="0">
-              <a:buNone/>
-            </a:pPr>
-            <a:r>
-              <a:rPr lang="en-US" dirty="0" smtClean="0"/>
-              <a:t>Random Forest model performed better than Decision Tree in accuracy and AUC. </a:t>
-            </a:r>
-          </a:p>
-          <a:p>
-            <a:pPr marL="0" indent="0">
-              <a:buNone/>
-            </a:pPr>
-            <a:r>
-              <a:rPr lang="en-US" dirty="0" smtClean="0"/>
-              <a:t>Random Forest model’s ROC curve is the closest to the ideal. </a:t>
-            </a:r>
-          </a:p>
-          <a:p>
-            <a:pPr marL="0" indent="0">
-              <a:buNone/>
-            </a:pPr>
-            <a:endParaRPr lang="en-US" dirty="0"/>
+            <a:r>
+              <a:rPr lang="en-US" dirty="0" smtClean="0"/>
+              <a:t>Pros</a:t>
+            </a:r>
+            <a:r>
+              <a:rPr lang="en-US" dirty="0" smtClean="0"/>
+              <a:t>: Reduces variance without increasing error and </a:t>
+            </a:r>
+            <a:r>
+              <a:rPr lang="en-US" dirty="0" err="1" smtClean="0"/>
+              <a:t>decorrelates</a:t>
+            </a:r>
+            <a:r>
+              <a:rPr lang="en-US" dirty="0" smtClean="0"/>
+              <a:t> trees</a:t>
+            </a:r>
+          </a:p>
+          <a:p>
+            <a:r>
+              <a:rPr lang="en-US" dirty="0" smtClean="0"/>
+              <a:t>Cons: Loses visual interpretability</a:t>
+            </a:r>
           </a:p>
           <a:p>
             <a:pPr marL="0" indent="0">
@@ -3974,17 +3985,449 @@
             </a:pPr>
             <a:endParaRPr lang="en-US" dirty="0" smtClean="0"/>
           </a:p>
+        </p:txBody>
+      </p:sp>
+    </p:spTree>
+    <p:extLst>
+      <p:ext uri="{BB962C8B-B14F-4D97-AF65-F5344CB8AC3E}">
+        <p14:creationId xmlns:p14="http://schemas.microsoft.com/office/powerpoint/2010/main" val="1684633516"/>
+      </p:ext>
+    </p:extLst>
+  </p:cSld>
+  <p:clrMapOvr>
+    <a:masterClrMapping/>
+  </p:clrMapOvr>
+  <p:timing>
+    <p:tnLst>
+      <p:par>
+        <p:cTn id="1" dur="indefinite" restart="never" nodeType="tmRoot"/>
+      </p:par>
+    </p:tnLst>
+  </p:timing>
+</p:sld>
+</file>
+
+<file path=ppt/slides/slide11.xml><?xml version="1.0" encoding="utf-8"?>
+<p:sld xmlns:a="http://schemas.openxmlformats.org/drawingml/2006/main" xmlns:r="http://schemas.openxmlformats.org/officeDocument/2006/relationships" xmlns:p="http://schemas.openxmlformats.org/presentationml/2006/main">
+  <p:cSld>
+    <p:spTree>
+      <p:nvGrpSpPr>
+        <p:cNvPr id="1" name=""/>
+        <p:cNvGrpSpPr/>
+        <p:nvPr/>
+      </p:nvGrpSpPr>
+      <p:grpSpPr>
+        <a:xfrm>
+          <a:off x="0" y="0"/>
+          <a:ext cx="0" cy="0"/>
+          <a:chOff x="0" y="0"/>
+          <a:chExt cx="0" cy="0"/>
+        </a:xfrm>
+      </p:grpSpPr>
+      <p:sp>
+        <p:nvSpPr>
+          <p:cNvPr id="2" name="Title 1"/>
+          <p:cNvSpPr>
+            <a:spLocks noGrp="1"/>
+          </p:cNvSpPr>
+          <p:nvPr>
+            <p:ph type="title"/>
+          </p:nvPr>
+        </p:nvSpPr>
+        <p:spPr/>
+        <p:txBody>
+          <a:bodyPr/>
+          <a:lstStyle/>
+          <a:p>
+            <a:r>
+              <a:rPr lang="en-US" dirty="0" smtClean="0"/>
+              <a:t>Tuning the Random Forest Model</a:t>
+            </a:r>
+            <a:endParaRPr lang="en-US" dirty="0"/>
+          </a:p>
+        </p:txBody>
+      </p:sp>
+      <p:sp>
+        <p:nvSpPr>
+          <p:cNvPr id="3" name="Content Placeholder 2"/>
+          <p:cNvSpPr>
+            <a:spLocks noGrp="1"/>
+          </p:cNvSpPr>
+          <p:nvPr>
+            <p:ph idx="1"/>
+          </p:nvPr>
+        </p:nvSpPr>
+        <p:spPr/>
+        <p:txBody>
+          <a:bodyPr/>
+          <a:lstStyle/>
+          <a:p>
+            <a:r>
+              <a:rPr lang="en-US" dirty="0" err="1"/>
+              <a:t>Hyperparameters</a:t>
+            </a:r>
+            <a:r>
+              <a:rPr lang="en-US" dirty="0"/>
+              <a:t>: </a:t>
+            </a:r>
+          </a:p>
+          <a:p>
+            <a:pPr lvl="1"/>
+            <a:r>
+              <a:rPr lang="en-US" dirty="0" err="1"/>
+              <a:t>mtry</a:t>
+            </a:r>
+            <a:r>
+              <a:rPr lang="en-US" dirty="0"/>
+              <a:t> (number of variables to sample at each split, default=4 for this data set)</a:t>
+            </a:r>
+          </a:p>
+          <a:p>
+            <a:pPr lvl="1"/>
+            <a:r>
+              <a:rPr lang="en-US" dirty="0" err="1"/>
+              <a:t>nodesize</a:t>
+            </a:r>
+            <a:r>
+              <a:rPr lang="en-US" dirty="0"/>
+              <a:t> (controls complexity, default=1)</a:t>
+            </a:r>
+          </a:p>
+          <a:p>
+            <a:pPr lvl="1"/>
+            <a:r>
+              <a:rPr lang="en-US" dirty="0" err="1"/>
+              <a:t>sampsize</a:t>
+            </a:r>
+            <a:r>
+              <a:rPr lang="en-US" dirty="0"/>
+              <a:t> (controls variability and randomness, </a:t>
+            </a:r>
+            <a:r>
+              <a:rPr lang="en-US" dirty="0" smtClean="0"/>
+              <a:t>default=63.2</a:t>
+            </a:r>
+            <a:r>
+              <a:rPr lang="en-US" dirty="0"/>
+              <a:t>% of observations</a:t>
+            </a:r>
+            <a:r>
+              <a:rPr lang="en-US" dirty="0" smtClean="0"/>
+              <a:t>)</a:t>
+            </a:r>
+            <a:endParaRPr lang="en-US" dirty="0" smtClean="0"/>
+          </a:p>
+          <a:p>
+            <a:endParaRPr lang="en-US" dirty="0"/>
+          </a:p>
+          <a:p>
+            <a:r>
+              <a:rPr lang="en-US" dirty="0" err="1" smtClean="0"/>
+              <a:t>mtry</a:t>
+            </a:r>
+            <a:r>
+              <a:rPr lang="en-US" dirty="0" smtClean="0"/>
+              <a:t>, </a:t>
+            </a:r>
+            <a:r>
+              <a:rPr lang="en-US" dirty="0" err="1" smtClean="0"/>
+              <a:t>nodesize</a:t>
+            </a:r>
+            <a:r>
+              <a:rPr lang="en-US" dirty="0" smtClean="0"/>
+              <a:t>, </a:t>
+            </a:r>
+            <a:r>
+              <a:rPr lang="en-US" dirty="0" err="1" smtClean="0"/>
+              <a:t>sampsize</a:t>
+            </a:r>
+            <a:r>
+              <a:rPr lang="en-US" dirty="0" smtClean="0"/>
+              <a:t> were tuned using a grid search against the validation set</a:t>
+            </a:r>
+          </a:p>
+          <a:p>
+            <a:pPr lvl="1"/>
+            <a:r>
+              <a:rPr lang="en-US" dirty="0" err="1" smtClean="0"/>
+              <a:t>mtry</a:t>
+            </a:r>
+            <a:r>
+              <a:rPr lang="en-US" dirty="0" smtClean="0"/>
+              <a:t> range: 2-8, increments of 2</a:t>
+            </a:r>
+          </a:p>
+          <a:p>
+            <a:pPr lvl="1"/>
+            <a:r>
+              <a:rPr lang="en-US" dirty="0" err="1" smtClean="0"/>
+              <a:t>nodesize</a:t>
+            </a:r>
+            <a:r>
+              <a:rPr lang="en-US" dirty="0" smtClean="0"/>
+              <a:t> range: 2-8, increments of 2</a:t>
+            </a:r>
+          </a:p>
+          <a:p>
+            <a:pPr lvl="1"/>
+            <a:r>
+              <a:rPr lang="en-US" dirty="0" err="1" smtClean="0"/>
+              <a:t>sampsize</a:t>
+            </a:r>
+            <a:r>
+              <a:rPr lang="en-US" dirty="0" smtClean="0"/>
+              <a:t> range: 70 or 80% of the observations</a:t>
+            </a:r>
+          </a:p>
+          <a:p>
+            <a:pPr lvl="1"/>
+            <a:r>
+              <a:rPr lang="en-US" dirty="0" smtClean="0"/>
+              <a:t>32 possibilities in </a:t>
+            </a:r>
+            <a:r>
+              <a:rPr lang="en-US" dirty="0" smtClean="0"/>
+              <a:t>total</a:t>
+            </a:r>
+            <a:endParaRPr lang="en-US" dirty="0" smtClean="0"/>
+          </a:p>
+        </p:txBody>
+      </p:sp>
+    </p:spTree>
+    <p:extLst>
+      <p:ext uri="{BB962C8B-B14F-4D97-AF65-F5344CB8AC3E}">
+        <p14:creationId xmlns:p14="http://schemas.microsoft.com/office/powerpoint/2010/main" val="793952194"/>
+      </p:ext>
+    </p:extLst>
+  </p:cSld>
+  <p:clrMapOvr>
+    <a:masterClrMapping/>
+  </p:clrMapOvr>
+  <p:timing>
+    <p:tnLst>
+      <p:par>
+        <p:cTn id="1" dur="indefinite" restart="never" nodeType="tmRoot"/>
+      </p:par>
+    </p:tnLst>
+  </p:timing>
+</p:sld>
+</file>
+
+<file path=ppt/slides/slide12.xml><?xml version="1.0" encoding="utf-8"?>
+<p:sld xmlns:a="http://schemas.openxmlformats.org/drawingml/2006/main" xmlns:r="http://schemas.openxmlformats.org/officeDocument/2006/relationships" xmlns:p="http://schemas.openxmlformats.org/presentationml/2006/main">
+  <p:cSld>
+    <p:spTree>
+      <p:nvGrpSpPr>
+        <p:cNvPr id="1" name=""/>
+        <p:cNvGrpSpPr/>
+        <p:nvPr/>
+      </p:nvGrpSpPr>
+      <p:grpSpPr>
+        <a:xfrm>
+          <a:off x="0" y="0"/>
+          <a:ext cx="0" cy="0"/>
+          <a:chOff x="0" y="0"/>
+          <a:chExt cx="0" cy="0"/>
+        </a:xfrm>
+      </p:grpSpPr>
+      <p:sp>
+        <p:nvSpPr>
+          <p:cNvPr id="2" name="Title 1"/>
+          <p:cNvSpPr>
+            <a:spLocks noGrp="1"/>
+          </p:cNvSpPr>
+          <p:nvPr>
+            <p:ph type="title"/>
+          </p:nvPr>
+        </p:nvSpPr>
+        <p:spPr/>
+        <p:txBody>
+          <a:bodyPr/>
+          <a:lstStyle/>
+          <a:p>
+            <a:r>
+              <a:rPr lang="en-US" dirty="0" smtClean="0"/>
+              <a:t>Tuning the Random Forest Model</a:t>
+            </a:r>
+            <a:endParaRPr lang="en-US" dirty="0"/>
+          </a:p>
+        </p:txBody>
+      </p:sp>
+      <p:sp>
+        <p:nvSpPr>
+          <p:cNvPr id="3" name="Content Placeholder 2"/>
+          <p:cNvSpPr>
+            <a:spLocks noGrp="1"/>
+          </p:cNvSpPr>
+          <p:nvPr>
+            <p:ph idx="1"/>
+          </p:nvPr>
+        </p:nvSpPr>
+        <p:spPr/>
+        <p:txBody>
+          <a:bodyPr/>
+          <a:lstStyle/>
+          <a:p>
+            <a:r>
+              <a:rPr lang="en-US" dirty="0" smtClean="0"/>
+              <a:t>Used minimum </a:t>
+            </a:r>
+            <a:r>
+              <a:rPr lang="en-US" dirty="0"/>
+              <a:t>Out-of-Bag (OOB) </a:t>
+            </a:r>
+            <a:r>
+              <a:rPr lang="en-US" dirty="0" smtClean="0"/>
+              <a:t>error to select model</a:t>
+            </a:r>
+            <a:endParaRPr lang="en-US" dirty="0"/>
+          </a:p>
+          <a:p>
+            <a:r>
+              <a:rPr lang="en-US" dirty="0"/>
+              <a:t>Ideal Parameters</a:t>
+            </a:r>
+          </a:p>
+          <a:p>
+            <a:pPr lvl="1"/>
+            <a:r>
+              <a:rPr lang="en-US" dirty="0" err="1"/>
+              <a:t>mtry</a:t>
+            </a:r>
+            <a:r>
+              <a:rPr lang="en-US" dirty="0"/>
+              <a:t>: 8</a:t>
+            </a:r>
+          </a:p>
+          <a:p>
+            <a:pPr lvl="1"/>
+            <a:r>
+              <a:rPr lang="en-US" dirty="0" err="1"/>
+              <a:t>nodesize</a:t>
+            </a:r>
+            <a:r>
+              <a:rPr lang="en-US" dirty="0"/>
+              <a:t>: 8</a:t>
+            </a:r>
+          </a:p>
+          <a:p>
+            <a:pPr lvl="1"/>
+            <a:r>
+              <a:rPr lang="en-US" dirty="0" err="1"/>
+              <a:t>Sampsize</a:t>
+            </a:r>
+            <a:r>
+              <a:rPr lang="en-US" dirty="0"/>
+              <a:t>: 70% of observations</a:t>
+            </a:r>
+          </a:p>
+        </p:txBody>
+      </p:sp>
+    </p:spTree>
+    <p:extLst>
+      <p:ext uri="{BB962C8B-B14F-4D97-AF65-F5344CB8AC3E}">
+        <p14:creationId xmlns:p14="http://schemas.microsoft.com/office/powerpoint/2010/main" val="2053363067"/>
+      </p:ext>
+    </p:extLst>
+  </p:cSld>
+  <p:clrMapOvr>
+    <a:masterClrMapping/>
+  </p:clrMapOvr>
+  <p:timing>
+    <p:tnLst>
+      <p:par>
+        <p:cTn id="1" dur="indefinite" restart="never" nodeType="tmRoot"/>
+      </p:par>
+    </p:tnLst>
+  </p:timing>
+</p:sld>
+</file>
+
+<file path=ppt/slides/slide13.xml><?xml version="1.0" encoding="utf-8"?>
+<p:sld xmlns:a="http://schemas.openxmlformats.org/drawingml/2006/main" xmlns:r="http://schemas.openxmlformats.org/officeDocument/2006/relationships" xmlns:p="http://schemas.openxmlformats.org/presentationml/2006/main">
+  <p:cSld>
+    <p:spTree>
+      <p:nvGrpSpPr>
+        <p:cNvPr id="1" name=""/>
+        <p:cNvGrpSpPr/>
+        <p:nvPr/>
+      </p:nvGrpSpPr>
+      <p:grpSpPr>
+        <a:xfrm>
+          <a:off x="0" y="0"/>
+          <a:ext cx="0" cy="0"/>
+          <a:chOff x="0" y="0"/>
+          <a:chExt cx="0" cy="0"/>
+        </a:xfrm>
+      </p:grpSpPr>
+      <p:sp>
+        <p:nvSpPr>
+          <p:cNvPr id="2" name="Title 1"/>
+          <p:cNvSpPr>
+            <a:spLocks noGrp="1"/>
+          </p:cNvSpPr>
+          <p:nvPr>
+            <p:ph type="title"/>
+          </p:nvPr>
+        </p:nvSpPr>
+        <p:spPr/>
+        <p:txBody>
+          <a:bodyPr/>
+          <a:lstStyle/>
+          <a:p>
+            <a:r>
+              <a:rPr lang="en-US" dirty="0" smtClean="0"/>
+              <a:t>Performance</a:t>
+            </a:r>
+            <a:endParaRPr lang="en-US" dirty="0"/>
+          </a:p>
+        </p:txBody>
+      </p:sp>
+      <p:sp>
+        <p:nvSpPr>
+          <p:cNvPr id="3" name="Content Placeholder 2"/>
+          <p:cNvSpPr>
+            <a:spLocks noGrp="1"/>
+          </p:cNvSpPr>
+          <p:nvPr>
+            <p:ph idx="1"/>
+          </p:nvPr>
+        </p:nvSpPr>
+        <p:spPr>
+          <a:xfrm>
+            <a:off x="1211467" y="4052221"/>
+            <a:ext cx="4973541" cy="2070283"/>
+          </a:xfrm>
+        </p:spPr>
+        <p:txBody>
+          <a:bodyPr>
+            <a:normAutofit lnSpcReduction="10000"/>
+          </a:bodyPr>
+          <a:lstStyle/>
           <a:p>
             <a:pPr marL="0" indent="0">
               <a:buNone/>
             </a:pPr>
-            <a:endParaRPr lang="en-US" dirty="0"/>
+            <a:r>
+              <a:rPr lang="en-US" dirty="0" smtClean="0"/>
+              <a:t>Random Forest model performed better than Decision Tree in accuracy and AUC. </a:t>
+            </a:r>
           </a:p>
           <a:p>
             <a:pPr marL="0" indent="0">
               <a:buNone/>
             </a:pPr>
             <a:r>
+              <a:rPr lang="en-US" dirty="0" smtClean="0"/>
+              <a:t>ROC Curve for Random Forest is also closest to the ideal curve.</a:t>
+            </a:r>
+            <a:endParaRPr lang="en-US" dirty="0"/>
+          </a:p>
+          <a:p>
+            <a:pPr marL="0" indent="0">
+              <a:buNone/>
+            </a:pPr>
+            <a:r>
               <a:rPr lang="en-US" b="1" dirty="0" smtClean="0"/>
               <a:t>Conclusion: Use Random Forest with </a:t>
             </a:r>
@@ -4001,21 +4444,21 @@
       </p:sp>
       <p:graphicFrame>
         <p:nvGraphicFramePr>
-          <p:cNvPr id="5" name="Table 4"/>
+          <p:cNvPr id="4" name="Table 3"/>
           <p:cNvGraphicFramePr>
             <a:graphicFrameLocks noGrp="1"/>
           </p:cNvGraphicFramePr>
           <p:nvPr>
             <p:extLst>
               <p:ext uri="{D42A27DB-BD31-4B8C-83A1-F6EECF244321}">
-                <p14:modId xmlns:p14="http://schemas.microsoft.com/office/powerpoint/2010/main" val="1804402972"/>
+                <p14:modId xmlns:p14="http://schemas.microsoft.com/office/powerpoint/2010/main" val="3798664973"/>
               </p:ext>
             </p:extLst>
           </p:nvPr>
         </p:nvGraphicFramePr>
         <p:xfrm>
-          <a:off x="1416876" y="1872188"/>
-          <a:ext cx="4227006" cy="1107440"/>
+          <a:off x="1211467" y="1952118"/>
+          <a:ext cx="4785142" cy="1854200"/>
         </p:xfrm>
         <a:graphic>
           <a:graphicData uri="http://schemas.openxmlformats.org/drawingml/2006/table">
@@ -4024,24 +4467,24 @@
                 <a:tableStyleId>{5C22544A-7EE6-4342-B048-85BDC9FD1C3A}</a:tableStyleId>
               </a:tblPr>
               <a:tblGrid>
-                <a:gridCol w="1065594">
+                <a:gridCol w="2850324">
                   <a:extLst>
                     <a:ext uri="{9D8B030D-6E8A-4147-A177-3AD203B41FA5}">
-                      <a16:colId xmlns:a16="http://schemas.microsoft.com/office/drawing/2014/main" val="93353307"/>
+                      <a16:colId xmlns:a16="http://schemas.microsoft.com/office/drawing/2014/main" val="2447084369"/>
                     </a:ext>
                   </a:extLst>
                 </a:gridCol>
-                <a:gridCol w="1495743">
+                <a:gridCol w="1099931">
                   <a:extLst>
                     <a:ext uri="{9D8B030D-6E8A-4147-A177-3AD203B41FA5}">
-                      <a16:colId xmlns:a16="http://schemas.microsoft.com/office/drawing/2014/main" val="3450779947"/>
+                      <a16:colId xmlns:a16="http://schemas.microsoft.com/office/drawing/2014/main" val="3316004816"/>
                     </a:ext>
                   </a:extLst>
                 </a:gridCol>
-                <a:gridCol w="1665669">
+                <a:gridCol w="834887">
                   <a:extLst>
                     <a:ext uri="{9D8B030D-6E8A-4147-A177-3AD203B41FA5}">
-                      <a16:colId xmlns:a16="http://schemas.microsoft.com/office/drawing/2014/main" val="3878527788"/>
+                      <a16:colId xmlns:a16="http://schemas.microsoft.com/office/drawing/2014/main" val="4354692"/>
                     </a:ext>
                   </a:extLst>
                 </a:gridCol>
@@ -4070,11 +4513,7 @@
                       <a:pPr algn="ctr"/>
                       <a:r>
                         <a:rPr lang="en-US" dirty="0" smtClean="0"/>
-                        <a:t>Decision</a:t>
-                      </a:r>
-                      <a:r>
-                        <a:rPr lang="en-US" baseline="0" dirty="0" smtClean="0"/>
-                        <a:t> Tree</a:t>
+                        <a:t>Accuracy</a:t>
                       </a:r>
                       <a:endParaRPr lang="en-US" dirty="0"/>
                     </a:p>
@@ -4089,11 +4528,7 @@
                       <a:pPr algn="ctr"/>
                       <a:r>
                         <a:rPr lang="en-US" dirty="0" smtClean="0"/>
-                        <a:t>Random</a:t>
-                      </a:r>
-                      <a:r>
-                        <a:rPr lang="en-US" baseline="0" dirty="0" smtClean="0"/>
-                        <a:t> Forest</a:t>
+                        <a:t>AUC</a:t>
                       </a:r>
                       <a:endParaRPr lang="en-US" dirty="0"/>
                     </a:p>
@@ -4102,11 +4537,11 @@
                 </a:tc>
                 <a:extLst>
                   <a:ext uri="{0D108BD9-81ED-4DB2-BD59-A6C34878D82A}">
-                    <a16:rowId xmlns:a16="http://schemas.microsoft.com/office/drawing/2014/main" val="3748314523"/>
+                    <a16:rowId xmlns:a16="http://schemas.microsoft.com/office/drawing/2014/main" val="2021102970"/>
                   </a:ext>
                 </a:extLst>
               </a:tr>
-              <a:tr h="241339">
+              <a:tr h="370840">
                 <a:tc>
                   <a:txBody>
                     <a:bodyPr/>
@@ -4115,7 +4550,63 @@
                       <a:pPr algn="ctr"/>
                       <a:r>
                         <a:rPr lang="en-US" dirty="0" smtClean="0"/>
-                        <a:t>Accuracy</a:t>
+                        <a:t>Decision</a:t>
+                      </a:r>
+                      <a:r>
+                        <a:rPr lang="en-US" baseline="0" dirty="0" smtClean="0"/>
+                        <a:t> Tree (Default)</a:t>
+                      </a:r>
+                      <a:endParaRPr lang="en-US" dirty="0"/>
+                    </a:p>
+                  </a:txBody>
+                  <a:tcPr/>
+                </a:tc>
+                <a:tc>
+                  <a:txBody>
+                    <a:bodyPr/>
+                    <a:lstStyle/>
+                    <a:p>
+                      <a:pPr algn="ctr"/>
+                      <a:r>
+                        <a:rPr lang="en-US" dirty="0" smtClean="0"/>
+                        <a:t>0.91</a:t>
+                      </a:r>
+                      <a:endParaRPr lang="en-US" dirty="0"/>
+                    </a:p>
+                  </a:txBody>
+                  <a:tcPr/>
+                </a:tc>
+                <a:tc>
+                  <a:txBody>
+                    <a:bodyPr/>
+                    <a:lstStyle/>
+                    <a:p>
+                      <a:pPr algn="ctr"/>
+                      <a:r>
+                        <a:rPr lang="en-US" dirty="0" smtClean="0"/>
+                        <a:t>0.73</a:t>
+                      </a:r>
+                      <a:endParaRPr lang="en-US" dirty="0"/>
+                    </a:p>
+                  </a:txBody>
+                  <a:tcPr/>
+                </a:tc>
+                <a:extLst>
+                  <a:ext uri="{0D108BD9-81ED-4DB2-BD59-A6C34878D82A}">
+                    <a16:rowId xmlns:a16="http://schemas.microsoft.com/office/drawing/2014/main" val="3395449056"/>
+                  </a:ext>
+                </a:extLst>
+              </a:tr>
+              <a:tr h="370840">
+                <a:tc>
+                  <a:txBody>
+                    <a:bodyPr/>
+                    <a:lstStyle/>
+                    <a:p>
+                      <a:pPr algn="ctr"/>
+                      <a:r>
+                        <a:rPr lang="en-US" dirty="0" smtClean="0"/>
+                        <a:t>Decision Tree (Optimized)</a:t>
                       </a:r>
                       <a:endParaRPr lang="en-US" dirty="0"/>
                     </a:p>
@@ -4145,7 +4636,7 @@
                       <a:pPr algn="ctr"/>
                       <a:r>
                         <a:rPr lang="en-US" dirty="0" smtClean="0"/>
-                        <a:t>0.97</a:t>
+                        <a:t>0.74</a:t>
                       </a:r>
                       <a:endParaRPr lang="en-US" dirty="0"/>
                     </a:p>
@@ -4154,7 +4645,7 @@
                 </a:tc>
                 <a:extLst>
                   <a:ext uri="{0D108BD9-81ED-4DB2-BD59-A6C34878D82A}">
-                    <a16:rowId xmlns:a16="http://schemas.microsoft.com/office/drawing/2014/main" val="4129678563"/>
+                    <a16:rowId xmlns:a16="http://schemas.microsoft.com/office/drawing/2014/main" val="1318229821"/>
                   </a:ext>
                 </a:extLst>
               </a:tr>
@@ -4167,7 +4658,26 @@
                       <a:pPr algn="ctr"/>
                       <a:r>
                         <a:rPr lang="en-US" dirty="0" smtClean="0"/>
-                        <a:t>AUC</a:t>
+                        <a:t>Random Forest</a:t>
+                      </a:r>
+                      <a:r>
+                        <a:rPr lang="en-US" baseline="0" dirty="0" smtClean="0"/>
+                        <a:t> (Default)</a:t>
+                      </a:r>
+                      <a:endParaRPr lang="en-US" dirty="0"/>
+                    </a:p>
+                  </a:txBody>
+                  <a:tcPr/>
+                </a:tc>
+                <a:tc>
+                  <a:txBody>
+                    <a:bodyPr/>
+                    <a:lstStyle/>
+                    <a:p>
+                      <a:pPr algn="ctr"/>
+                      <a:r>
+                        <a:rPr lang="en-US" dirty="0" smtClean="0"/>
+                        <a:t>0.91</a:t>
                       </a:r>
                       <a:endParaRPr lang="en-US" dirty="0"/>
                     </a:p>
@@ -4183,6 +4693,43 @@
                       <a:r>
                         <a:rPr lang="en-US" dirty="0" smtClean="0"/>
                         <a:t>0.74</a:t>
+                      </a:r>
+                      <a:endParaRPr lang="en-US" dirty="0"/>
+                    </a:p>
+                  </a:txBody>
+                  <a:tcPr/>
+                </a:tc>
+                <a:extLst>
+                  <a:ext uri="{0D108BD9-81ED-4DB2-BD59-A6C34878D82A}">
+                    <a16:rowId xmlns:a16="http://schemas.microsoft.com/office/drawing/2014/main" val="3584485873"/>
+                  </a:ext>
+                </a:extLst>
+              </a:tr>
+              <a:tr h="370840">
+                <a:tc>
+                  <a:txBody>
+                    <a:bodyPr/>
+                    <a:lstStyle/>
+                    <a:p>
+                      <a:pPr algn="ctr"/>
+                      <a:r>
+                        <a:rPr lang="en-US" dirty="0" smtClean="0"/>
+                        <a:t>Random Forest (Optimized)</a:t>
+                      </a:r>
+                      <a:endParaRPr lang="en-US" dirty="0"/>
+                    </a:p>
+                  </a:txBody>
+                  <a:tcPr/>
+                </a:tc>
+                <a:tc>
+                  <a:txBody>
+                    <a:bodyPr/>
+                    <a:lstStyle/>
+                    <a:p>
+                      <a:pPr algn="ctr"/>
+                      <a:r>
+                        <a:rPr lang="en-US" dirty="0" smtClean="0"/>
+                        <a:t>0.97</a:t>
                       </a:r>
                       <a:endParaRPr lang="en-US" dirty="0"/>
                     </a:p>
@@ -4206,7 +4753,7 @@
                 </a:tc>
                 <a:extLst>
                   <a:ext uri="{0D108BD9-81ED-4DB2-BD59-A6C34878D82A}">
-                    <a16:rowId xmlns:a16="http://schemas.microsoft.com/office/drawing/2014/main" val="3292393557"/>
+                    <a16:rowId xmlns:a16="http://schemas.microsoft.com/office/drawing/2014/main" val="3058365375"/>
                   </a:ext>
                 </a:extLst>
               </a:tr>
@@ -4214,29 +4761,330 @@
           </a:graphicData>
         </a:graphic>
       </p:graphicFrame>
-      <p:pic>
-        <p:nvPicPr>
-          <p:cNvPr id="6" name="Picture 5"/>
-          <p:cNvPicPr>
-            <a:picLocks noChangeAspect="1"/>
-          </p:cNvPicPr>
+      <p:grpSp>
+        <p:nvGrpSpPr>
+          <p:cNvPr id="10" name="Group 9"/>
+          <p:cNvGrpSpPr/>
           <p:nvPr/>
-        </p:nvPicPr>
-        <p:blipFill rotWithShape="1">
-          <a:blip r:embed="rId2"/>
-          <a:srcRect t="5744"/>
-          <a:stretch/>
-        </p:blipFill>
-        <p:spPr>
+        </p:nvGrpSpPr>
+        <p:grpSpPr>
           <a:xfrm>
-            <a:off x="1097280" y="3038473"/>
-            <a:ext cx="4866198" cy="2830621"/>
-          </a:xfrm>
-          <a:prstGeom prst="rect">
-            <a:avLst/>
-          </a:prstGeom>
-        </p:spPr>
-      </p:pic>
+            <a:off x="6061337" y="1923591"/>
+            <a:ext cx="6130664" cy="3880862"/>
+            <a:chOff x="6061337" y="2009729"/>
+            <a:chExt cx="6130664" cy="3880862"/>
+          </a:xfrm>
+        </p:grpSpPr>
+        <p:pic>
+          <p:nvPicPr>
+            <p:cNvPr id="8" name="Picture 7"/>
+            <p:cNvPicPr>
+              <a:picLocks noChangeAspect="1"/>
+            </p:cNvPicPr>
+            <p:nvPr/>
+          </p:nvPicPr>
+          <p:blipFill rotWithShape="1">
+            <a:blip r:embed="rId2"/>
+            <a:srcRect t="7531"/>
+            <a:stretch/>
+          </p:blipFill>
+          <p:spPr>
+            <a:xfrm>
+              <a:off x="6061337" y="2392018"/>
+              <a:ext cx="6130663" cy="3498573"/>
+            </a:xfrm>
+            <a:prstGeom prst="rect">
+              <a:avLst/>
+            </a:prstGeom>
+          </p:spPr>
+        </p:pic>
+        <p:sp>
+          <p:nvSpPr>
+            <p:cNvPr id="9" name="Content Placeholder 2"/>
+            <p:cNvSpPr txBox="1">
+              <a:spLocks/>
+            </p:cNvSpPr>
+            <p:nvPr/>
+          </p:nvSpPr>
+          <p:spPr>
+            <a:xfrm>
+              <a:off x="6185009" y="2009729"/>
+              <a:ext cx="6006992" cy="382289"/>
+            </a:xfrm>
+            <a:prstGeom prst="rect">
+              <a:avLst/>
+            </a:prstGeom>
+          </p:spPr>
+          <p:txBody>
+            <a:bodyPr vert="horz" lIns="0" tIns="45720" rIns="0" bIns="45720" rtlCol="0">
+              <a:normAutofit/>
+            </a:bodyPr>
+            <a:lstStyle>
+              <a:lvl1pPr marL="91440" indent="-91440" algn="l" defTabSz="914400" rtl="0" eaLnBrk="1" latinLnBrk="0" hangingPunct="1">
+                <a:lnSpc>
+                  <a:spcPct val="90000"/>
+                </a:lnSpc>
+                <a:spcBef>
+                  <a:spcPts val="1200"/>
+                </a:spcBef>
+                <a:spcAft>
+                  <a:spcPts val="200"/>
+                </a:spcAft>
+                <a:buClr>
+                  <a:schemeClr val="accent1"/>
+                </a:buClr>
+                <a:buSzPct val="100000"/>
+                <a:buFont typeface="Calibri" panose="020F0502020204030204" pitchFamily="34" charset="0"/>
+                <a:buChar char=" "/>
+                <a:defRPr sz="2000" kern="1200">
+                  <a:solidFill>
+                    <a:schemeClr val="tx1">
+                      <a:lumMod val="75000"/>
+                      <a:lumOff val="25000"/>
+                    </a:schemeClr>
+                  </a:solidFill>
+                  <a:latin typeface="+mn-lt"/>
+                  <a:ea typeface="+mn-ea"/>
+                  <a:cs typeface="+mn-cs"/>
+                </a:defRPr>
+              </a:lvl1pPr>
+              <a:lvl2pPr marL="384048" indent="-182880" algn="l" defTabSz="914400" rtl="0" eaLnBrk="1" latinLnBrk="0" hangingPunct="1">
+                <a:lnSpc>
+                  <a:spcPct val="90000"/>
+                </a:lnSpc>
+                <a:spcBef>
+                  <a:spcPts val="200"/>
+                </a:spcBef>
+                <a:spcAft>
+                  <a:spcPts val="400"/>
+                </a:spcAft>
+                <a:buClr>
+                  <a:schemeClr val="accent1"/>
+                </a:buClr>
+                <a:buFont typeface="Calibri" pitchFamily="34" charset="0"/>
+                <a:buChar char="◦"/>
+                <a:defRPr sz="1800" kern="1200">
+                  <a:solidFill>
+                    <a:schemeClr val="tx1">
+                      <a:lumMod val="75000"/>
+                      <a:lumOff val="25000"/>
+                    </a:schemeClr>
+                  </a:solidFill>
+                  <a:latin typeface="+mn-lt"/>
+                  <a:ea typeface="+mn-ea"/>
+                  <a:cs typeface="+mn-cs"/>
+                </a:defRPr>
+              </a:lvl2pPr>
+              <a:lvl3pPr marL="566928" indent="-182880" algn="l" defTabSz="914400" rtl="0" eaLnBrk="1" latinLnBrk="0" hangingPunct="1">
+                <a:lnSpc>
+                  <a:spcPct val="90000"/>
+                </a:lnSpc>
+                <a:spcBef>
+                  <a:spcPts val="200"/>
+                </a:spcBef>
+                <a:spcAft>
+                  <a:spcPts val="400"/>
+                </a:spcAft>
+                <a:buClr>
+                  <a:schemeClr val="accent1"/>
+                </a:buClr>
+                <a:buFont typeface="Calibri" pitchFamily="34" charset="0"/>
+                <a:buChar char="◦"/>
+                <a:defRPr sz="1400" kern="1200">
+                  <a:solidFill>
+                    <a:schemeClr val="tx1">
+                      <a:lumMod val="75000"/>
+                      <a:lumOff val="25000"/>
+                    </a:schemeClr>
+                  </a:solidFill>
+                  <a:latin typeface="+mn-lt"/>
+                  <a:ea typeface="+mn-ea"/>
+                  <a:cs typeface="+mn-cs"/>
+                </a:defRPr>
+              </a:lvl3pPr>
+              <a:lvl4pPr marL="749808" indent="-182880" algn="l" defTabSz="914400" rtl="0" eaLnBrk="1" latinLnBrk="0" hangingPunct="1">
+                <a:lnSpc>
+                  <a:spcPct val="90000"/>
+                </a:lnSpc>
+                <a:spcBef>
+                  <a:spcPts val="200"/>
+                </a:spcBef>
+                <a:spcAft>
+                  <a:spcPts val="400"/>
+                </a:spcAft>
+                <a:buClr>
+                  <a:schemeClr val="accent1"/>
+                </a:buClr>
+                <a:buFont typeface="Calibri" pitchFamily="34" charset="0"/>
+                <a:buChar char="◦"/>
+                <a:defRPr sz="1400" kern="1200">
+                  <a:solidFill>
+                    <a:schemeClr val="tx1">
+                      <a:lumMod val="75000"/>
+                      <a:lumOff val="25000"/>
+                    </a:schemeClr>
+                  </a:solidFill>
+                  <a:latin typeface="+mn-lt"/>
+                  <a:ea typeface="+mn-ea"/>
+                  <a:cs typeface="+mn-cs"/>
+                </a:defRPr>
+              </a:lvl4pPr>
+              <a:lvl5pPr marL="932688" indent="-182880" algn="l" defTabSz="914400" rtl="0" eaLnBrk="1" latinLnBrk="0" hangingPunct="1">
+                <a:lnSpc>
+                  <a:spcPct val="90000"/>
+                </a:lnSpc>
+                <a:spcBef>
+                  <a:spcPts val="200"/>
+                </a:spcBef>
+                <a:spcAft>
+                  <a:spcPts val="400"/>
+                </a:spcAft>
+                <a:buClr>
+                  <a:schemeClr val="accent1"/>
+                </a:buClr>
+                <a:buFont typeface="Calibri" pitchFamily="34" charset="0"/>
+                <a:buChar char="◦"/>
+                <a:defRPr sz="1400" kern="1200">
+                  <a:solidFill>
+                    <a:schemeClr val="tx1">
+                      <a:lumMod val="75000"/>
+                      <a:lumOff val="25000"/>
+                    </a:schemeClr>
+                  </a:solidFill>
+                  <a:latin typeface="+mn-lt"/>
+                  <a:ea typeface="+mn-ea"/>
+                  <a:cs typeface="+mn-cs"/>
+                </a:defRPr>
+              </a:lvl5pPr>
+              <a:lvl6pPr marL="1100000" indent="-228600" algn="l" defTabSz="914400" rtl="0" eaLnBrk="1" latinLnBrk="0" hangingPunct="1">
+                <a:lnSpc>
+                  <a:spcPct val="90000"/>
+                </a:lnSpc>
+                <a:spcBef>
+                  <a:spcPts val="200"/>
+                </a:spcBef>
+                <a:spcAft>
+                  <a:spcPts val="400"/>
+                </a:spcAft>
+                <a:buClr>
+                  <a:schemeClr val="accent1"/>
+                </a:buClr>
+                <a:buFont typeface="Calibri" pitchFamily="34" charset="0"/>
+                <a:buChar char="◦"/>
+                <a:defRPr sz="1400" kern="1200">
+                  <a:solidFill>
+                    <a:schemeClr val="tx1">
+                      <a:lumMod val="75000"/>
+                      <a:lumOff val="25000"/>
+                    </a:schemeClr>
+                  </a:solidFill>
+                  <a:latin typeface="+mn-lt"/>
+                  <a:ea typeface="+mn-ea"/>
+                  <a:cs typeface="+mn-cs"/>
+                </a:defRPr>
+              </a:lvl6pPr>
+              <a:lvl7pPr marL="1300000" indent="-228600" algn="l" defTabSz="914400" rtl="0" eaLnBrk="1" latinLnBrk="0" hangingPunct="1">
+                <a:lnSpc>
+                  <a:spcPct val="90000"/>
+                </a:lnSpc>
+                <a:spcBef>
+                  <a:spcPts val="200"/>
+                </a:spcBef>
+                <a:spcAft>
+                  <a:spcPts val="400"/>
+                </a:spcAft>
+                <a:buClr>
+                  <a:schemeClr val="accent1"/>
+                </a:buClr>
+                <a:buFont typeface="Calibri" pitchFamily="34" charset="0"/>
+                <a:buChar char="◦"/>
+                <a:defRPr sz="1400" kern="1200">
+                  <a:solidFill>
+                    <a:schemeClr val="tx1">
+                      <a:lumMod val="75000"/>
+                      <a:lumOff val="25000"/>
+                    </a:schemeClr>
+                  </a:solidFill>
+                  <a:latin typeface="+mn-lt"/>
+                  <a:ea typeface="+mn-ea"/>
+                  <a:cs typeface="+mn-cs"/>
+                </a:defRPr>
+              </a:lvl7pPr>
+              <a:lvl8pPr marL="1500000" indent="-228600" algn="l" defTabSz="914400" rtl="0" eaLnBrk="1" latinLnBrk="0" hangingPunct="1">
+                <a:lnSpc>
+                  <a:spcPct val="90000"/>
+                </a:lnSpc>
+                <a:spcBef>
+                  <a:spcPts val="200"/>
+                </a:spcBef>
+                <a:spcAft>
+                  <a:spcPts val="400"/>
+                </a:spcAft>
+                <a:buClr>
+                  <a:schemeClr val="accent1"/>
+                </a:buClr>
+                <a:buFont typeface="Calibri" pitchFamily="34" charset="0"/>
+                <a:buChar char="◦"/>
+                <a:defRPr sz="1400" kern="1200">
+                  <a:solidFill>
+                    <a:schemeClr val="tx1">
+                      <a:lumMod val="75000"/>
+                      <a:lumOff val="25000"/>
+                    </a:schemeClr>
+                  </a:solidFill>
+                  <a:latin typeface="+mn-lt"/>
+                  <a:ea typeface="+mn-ea"/>
+                  <a:cs typeface="+mn-cs"/>
+                </a:defRPr>
+              </a:lvl8pPr>
+              <a:lvl9pPr marL="1700000" indent="-228600" algn="l" defTabSz="914400" rtl="0" eaLnBrk="1" latinLnBrk="0" hangingPunct="1">
+                <a:lnSpc>
+                  <a:spcPct val="90000"/>
+                </a:lnSpc>
+                <a:spcBef>
+                  <a:spcPts val="200"/>
+                </a:spcBef>
+                <a:spcAft>
+                  <a:spcPts val="400"/>
+                </a:spcAft>
+                <a:buClr>
+                  <a:schemeClr val="accent1"/>
+                </a:buClr>
+                <a:buFont typeface="Calibri" pitchFamily="34" charset="0"/>
+                <a:buChar char="◦"/>
+                <a:defRPr sz="1400" kern="1200">
+                  <a:solidFill>
+                    <a:schemeClr val="tx1">
+                      <a:lumMod val="75000"/>
+                      <a:lumOff val="25000"/>
+                    </a:schemeClr>
+                  </a:solidFill>
+                  <a:latin typeface="+mn-lt"/>
+                  <a:ea typeface="+mn-ea"/>
+                  <a:cs typeface="+mn-cs"/>
+                </a:defRPr>
+              </a:lvl9pPr>
+            </a:lstStyle>
+            <a:p>
+              <a:pPr marL="0" indent="0" algn="ctr">
+                <a:buFont typeface="Calibri" panose="020F0502020204030204" pitchFamily="34" charset="0"/>
+                <a:buNone/>
+              </a:pPr>
+              <a:r>
+                <a:rPr lang="en-US" sz="1600" dirty="0" smtClean="0">
+                  <a:latin typeface="Arial" panose="020B0604020202020204" pitchFamily="34" charset="0"/>
+                  <a:cs typeface="Arial" panose="020B0604020202020204" pitchFamily="34" charset="0"/>
+                </a:rPr>
+                <a:t>ROC Plot for Models after Optimization</a:t>
+              </a:r>
+              <a:endParaRPr lang="en-US" sz="1600" b="1" dirty="0" smtClean="0">
+                <a:latin typeface="Arial" panose="020B0604020202020204" pitchFamily="34" charset="0"/>
+                <a:cs typeface="Arial" panose="020B0604020202020204" pitchFamily="34" charset="0"/>
+              </a:endParaRPr>
+            </a:p>
+          </p:txBody>
+        </p:sp>
+      </p:grpSp>
     </p:spTree>
     <p:extLst>
       <p:ext uri="{BB962C8B-B14F-4D97-AF65-F5344CB8AC3E}">
@@ -4247,6 +5095,92 @@
   <p:clrMapOvr>
     <a:masterClrMapping/>
   </p:clrMapOvr>
+  <p:timing>
+    <p:tnLst>
+      <p:par>
+        <p:cTn id="1" dur="indefinite" restart="never" nodeType="tmRoot"/>
+      </p:par>
+    </p:tnLst>
+  </p:timing>
+</p:sld>
+</file>
+
+<file path=ppt/slides/slide14.xml><?xml version="1.0" encoding="utf-8"?>
+<p:sld xmlns:a="http://schemas.openxmlformats.org/drawingml/2006/main" xmlns:r="http://schemas.openxmlformats.org/officeDocument/2006/relationships" xmlns:p="http://schemas.openxmlformats.org/presentationml/2006/main">
+  <p:cSld>
+    <p:spTree>
+      <p:nvGrpSpPr>
+        <p:cNvPr id="1" name=""/>
+        <p:cNvGrpSpPr/>
+        <p:nvPr/>
+      </p:nvGrpSpPr>
+      <p:grpSpPr>
+        <a:xfrm>
+          <a:off x="0" y="0"/>
+          <a:ext cx="0" cy="0"/>
+          <a:chOff x="0" y="0"/>
+          <a:chExt cx="0" cy="0"/>
+        </a:xfrm>
+      </p:grpSpPr>
+      <p:sp>
+        <p:nvSpPr>
+          <p:cNvPr id="4" name="Title 3"/>
+          <p:cNvSpPr>
+            <a:spLocks noGrp="1"/>
+          </p:cNvSpPr>
+          <p:nvPr>
+            <p:ph type="title"/>
+          </p:nvPr>
+        </p:nvSpPr>
+        <p:spPr/>
+        <p:txBody>
+          <a:bodyPr/>
+          <a:lstStyle/>
+          <a:p>
+            <a:r>
+              <a:rPr lang="en-US" dirty="0" smtClean="0"/>
+              <a:t>Thank you!</a:t>
+            </a:r>
+            <a:endParaRPr lang="en-US" dirty="0"/>
+          </a:p>
+        </p:txBody>
+      </p:sp>
+      <p:sp>
+        <p:nvSpPr>
+          <p:cNvPr id="5" name="Text Placeholder 4"/>
+          <p:cNvSpPr>
+            <a:spLocks noGrp="1"/>
+          </p:cNvSpPr>
+          <p:nvPr>
+            <p:ph type="body" idx="1"/>
+          </p:nvPr>
+        </p:nvSpPr>
+        <p:spPr/>
+        <p:txBody>
+          <a:bodyPr/>
+          <a:lstStyle/>
+          <a:p>
+            <a:endParaRPr lang="en-US"/>
+          </a:p>
+        </p:txBody>
+      </p:sp>
+    </p:spTree>
+    <p:extLst>
+      <p:ext uri="{BB962C8B-B14F-4D97-AF65-F5344CB8AC3E}">
+        <p14:creationId xmlns:p14="http://schemas.microsoft.com/office/powerpoint/2010/main" val="593467360"/>
+      </p:ext>
+    </p:extLst>
+  </p:cSld>
+  <p:clrMapOvr>
+    <a:masterClrMapping/>
+  </p:clrMapOvr>
+  <p:timing>
+    <p:tnLst>
+      <p:par>
+        <p:cTn id="1" dur="indefinite" restart="never" nodeType="tmRoot"/>
+      </p:par>
+    </p:tnLst>
+  </p:timing>
 </p:sld>
 </file>
 
@@ -4364,6 +5298,13 @@
   <p:clrMapOvr>
     <a:masterClrMapping/>
   </p:clrMapOvr>
+  <p:timing>
+    <p:tnLst>
+      <p:par>
+        <p:cTn id="1" dur="indefinite" restart="never" nodeType="tmRoot"/>
+      </p:par>
+    </p:tnLst>
+  </p:timing>
 </p:sld>
 </file>
 
@@ -4496,6 +5437,13 @@
   <p:clrMapOvr>
     <a:masterClrMapping/>
   </p:clrMapOvr>
+  <p:timing>
+    <p:tnLst>
+      <p:par>
+        <p:cTn id="1" dur="indefinite" restart="never" nodeType="tmRoot"/>
+      </p:par>
+    </p:tnLst>
+  </p:timing>
 </p:sld>
 </file>
 
@@ -4533,7 +5481,7 @@
           <a:p>
             <a:r>
               <a:rPr lang="en-US" dirty="0" smtClean="0"/>
-              <a:t>Data Preparation</a:t>
+              <a:t>Plan – Data Preparation</a:t>
             </a:r>
             <a:endParaRPr lang="en-US" dirty="0"/>
           </a:p>
@@ -4554,87 +5502,470 @@
           <a:bodyPr/>
           <a:lstStyle/>
           <a:p>
-            <a:r>
-              <a:rPr lang="en-US" dirty="0" smtClean="0"/>
-              <a:t>Removed column with missing data: </a:t>
-            </a:r>
-            <a:r>
-              <a:rPr lang="en-US" dirty="0" err="1" smtClean="0"/>
-              <a:t>nr.employed</a:t>
-            </a:r>
-            <a:endParaRPr lang="en-US" dirty="0" smtClean="0"/>
-          </a:p>
-          <a:p>
-            <a:pPr lvl="1"/>
-            <a:r>
-              <a:rPr lang="en-US" dirty="0" smtClean="0"/>
-              <a:t>33425 rows of NAs</a:t>
-            </a:r>
-          </a:p>
-          <a:p>
-            <a:pPr lvl="1"/>
-            <a:r>
-              <a:rPr lang="en-US" dirty="0" smtClean="0"/>
-              <a:t>Only one value for the non-missing rows</a:t>
-            </a:r>
-          </a:p>
-          <a:p>
-            <a:r>
-              <a:rPr lang="en-US" dirty="0" smtClean="0"/>
-              <a:t>Factorized Categorical Variables</a:t>
-            </a:r>
-          </a:p>
-          <a:p>
-            <a:pPr lvl="1"/>
-            <a:r>
-              <a:rPr lang="en-US" dirty="0" smtClean="0"/>
-              <a:t>Columns containing categorical variables like job, marital status, education… were factorized.</a:t>
-            </a:r>
-          </a:p>
-          <a:p>
-            <a:r>
-              <a:rPr lang="en-US" dirty="0" smtClean="0"/>
-              <a:t>Removed columns with near-zero variance and zero variance</a:t>
-            </a:r>
-          </a:p>
-          <a:p>
-            <a:pPr lvl="1"/>
-            <a:r>
-              <a:rPr lang="en-US" dirty="0" smtClean="0"/>
-              <a:t>Column </a:t>
-            </a:r>
-            <a:r>
-              <a:rPr lang="en-US" dirty="0" err="1" smtClean="0"/>
-              <a:t>pdays</a:t>
-            </a:r>
-            <a:r>
-              <a:rPr lang="en-US" dirty="0" smtClean="0"/>
-              <a:t> was removed since there was only one value in the entire column</a:t>
-            </a:r>
-          </a:p>
-          <a:p>
-            <a:r>
-              <a:rPr lang="en-US" dirty="0"/>
-              <a:t>Split data into training set (70%), validation set (15%), test set (15</a:t>
-            </a:r>
-            <a:r>
-              <a:rPr lang="en-US" dirty="0" smtClean="0"/>
-              <a:t>%)</a:t>
+            <a:endParaRPr lang="en-US" sz="1100" dirty="0"/>
+          </a:p>
+        </p:txBody>
+      </p:sp>
+      <p:sp>
+        <p:nvSpPr>
+          <p:cNvPr id="4" name="Rectangle 3"/>
+          <p:cNvSpPr/>
+          <p:nvPr/>
+        </p:nvSpPr>
+        <p:spPr>
+          <a:xfrm>
+            <a:off x="1497496" y="2590800"/>
+            <a:ext cx="1179443" cy="569843"/>
+          </a:xfrm>
+          <a:prstGeom prst="rect">
+            <a:avLst/>
+          </a:prstGeom>
+        </p:spPr>
+        <p:style>
+          <a:lnRef idx="2">
+            <a:schemeClr val="accent2">
+              <a:shade val="50000"/>
+            </a:schemeClr>
+          </a:lnRef>
+          <a:fillRef idx="1">
+            <a:schemeClr val="accent2"/>
+          </a:fillRef>
+          <a:effectRef idx="0">
+            <a:schemeClr val="accent2"/>
+          </a:effectRef>
+          <a:fontRef idx="minor">
+            <a:schemeClr val="lt1"/>
+          </a:fontRef>
+        </p:style>
+        <p:txBody>
+          <a:bodyPr rtlCol="0" anchor="ctr"/>
+          <a:lstStyle/>
+          <a:p>
+            <a:pPr algn="ctr"/>
+            <a:r>
+              <a:rPr lang="en-US" dirty="0" smtClean="0"/>
+              <a:t>Load Data</a:t>
             </a:r>
             <a:endParaRPr lang="en-US" dirty="0"/>
           </a:p>
         </p:txBody>
       </p:sp>
+      <p:sp>
+        <p:nvSpPr>
+          <p:cNvPr id="5" name="Rectangle 4"/>
+          <p:cNvSpPr/>
+          <p:nvPr/>
+        </p:nvSpPr>
+        <p:spPr>
+          <a:xfrm>
+            <a:off x="3417068" y="2590797"/>
+            <a:ext cx="1517375" cy="569843"/>
+          </a:xfrm>
+          <a:prstGeom prst="rect">
+            <a:avLst/>
+          </a:prstGeom>
+        </p:spPr>
+        <p:style>
+          <a:lnRef idx="2">
+            <a:schemeClr val="accent2">
+              <a:shade val="50000"/>
+            </a:schemeClr>
+          </a:lnRef>
+          <a:fillRef idx="1">
+            <a:schemeClr val="accent2"/>
+          </a:fillRef>
+          <a:effectRef idx="0">
+            <a:schemeClr val="accent2"/>
+          </a:effectRef>
+          <a:fontRef idx="minor">
+            <a:schemeClr val="lt1"/>
+          </a:fontRef>
+        </p:style>
+        <p:txBody>
+          <a:bodyPr rtlCol="0" anchor="ctr"/>
+          <a:lstStyle/>
+          <a:p>
+            <a:pPr algn="ctr"/>
+            <a:r>
+              <a:rPr lang="en-US" dirty="0" smtClean="0"/>
+              <a:t>Clean Data</a:t>
+            </a:r>
+            <a:endParaRPr lang="en-US" sz="1050" dirty="0" smtClean="0"/>
+          </a:p>
+        </p:txBody>
+      </p:sp>
+      <p:sp>
+        <p:nvSpPr>
+          <p:cNvPr id="6" name="Rectangle 5"/>
+          <p:cNvSpPr/>
+          <p:nvPr/>
+        </p:nvSpPr>
+        <p:spPr>
+          <a:xfrm>
+            <a:off x="5674573" y="2590799"/>
+            <a:ext cx="1793023" cy="569843"/>
+          </a:xfrm>
+          <a:prstGeom prst="rect">
+            <a:avLst/>
+          </a:prstGeom>
+        </p:spPr>
+        <p:style>
+          <a:lnRef idx="2">
+            <a:schemeClr val="accent2">
+              <a:shade val="50000"/>
+            </a:schemeClr>
+          </a:lnRef>
+          <a:fillRef idx="1">
+            <a:schemeClr val="accent2"/>
+          </a:fillRef>
+          <a:effectRef idx="0">
+            <a:schemeClr val="accent2"/>
+          </a:effectRef>
+          <a:fontRef idx="minor">
+            <a:schemeClr val="lt1"/>
+          </a:fontRef>
+        </p:style>
+        <p:txBody>
+          <a:bodyPr rtlCol="0" anchor="ctr"/>
+          <a:lstStyle/>
+          <a:p>
+            <a:pPr algn="ctr"/>
+            <a:r>
+              <a:rPr lang="en-US" dirty="0" smtClean="0"/>
+              <a:t>Split Data</a:t>
+            </a:r>
+            <a:endParaRPr lang="en-US" sz="1050" dirty="0" smtClean="0"/>
+          </a:p>
+        </p:txBody>
+      </p:sp>
+      <p:sp>
+        <p:nvSpPr>
+          <p:cNvPr id="7" name="Rectangle 6"/>
+          <p:cNvSpPr/>
+          <p:nvPr/>
+        </p:nvSpPr>
+        <p:spPr>
+          <a:xfrm>
+            <a:off x="8494643" y="2590798"/>
+            <a:ext cx="1517375" cy="569843"/>
+          </a:xfrm>
+          <a:prstGeom prst="rect">
+            <a:avLst/>
+          </a:prstGeom>
+        </p:spPr>
+        <p:style>
+          <a:lnRef idx="2">
+            <a:schemeClr val="accent4">
+              <a:shade val="50000"/>
+            </a:schemeClr>
+          </a:lnRef>
+          <a:fillRef idx="1">
+            <a:schemeClr val="accent4"/>
+          </a:fillRef>
+          <a:effectRef idx="0">
+            <a:schemeClr val="accent4"/>
+          </a:effectRef>
+          <a:fontRef idx="minor">
+            <a:schemeClr val="lt1"/>
+          </a:fontRef>
+        </p:style>
+        <p:txBody>
+          <a:bodyPr rtlCol="0" anchor="ctr"/>
+          <a:lstStyle/>
+          <a:p>
+            <a:pPr algn="ctr"/>
+            <a:r>
+              <a:rPr lang="en-US" dirty="0" smtClean="0"/>
+              <a:t>Training (70%)</a:t>
+            </a:r>
+            <a:endParaRPr lang="en-US" sz="1050" dirty="0" smtClean="0"/>
+          </a:p>
+        </p:txBody>
+      </p:sp>
+      <p:sp>
+        <p:nvSpPr>
+          <p:cNvPr id="8" name="Rectangle 7"/>
+          <p:cNvSpPr/>
+          <p:nvPr/>
+        </p:nvSpPr>
+        <p:spPr>
+          <a:xfrm>
+            <a:off x="8494642" y="3572492"/>
+            <a:ext cx="1517375" cy="569843"/>
+          </a:xfrm>
+          <a:prstGeom prst="rect">
+            <a:avLst/>
+          </a:prstGeom>
+        </p:spPr>
+        <p:style>
+          <a:lnRef idx="2">
+            <a:schemeClr val="accent4">
+              <a:shade val="50000"/>
+            </a:schemeClr>
+          </a:lnRef>
+          <a:fillRef idx="1">
+            <a:schemeClr val="accent4"/>
+          </a:fillRef>
+          <a:effectRef idx="0">
+            <a:schemeClr val="accent4"/>
+          </a:effectRef>
+          <a:fontRef idx="minor">
+            <a:schemeClr val="lt1"/>
+          </a:fontRef>
+        </p:style>
+        <p:txBody>
+          <a:bodyPr rtlCol="0" anchor="ctr"/>
+          <a:lstStyle/>
+          <a:p>
+            <a:pPr algn="ctr"/>
+            <a:r>
+              <a:rPr lang="en-US" dirty="0" smtClean="0"/>
+              <a:t>Validation (15%)</a:t>
+            </a:r>
+            <a:endParaRPr lang="en-US" sz="1050" dirty="0" smtClean="0"/>
+          </a:p>
+        </p:txBody>
+      </p:sp>
+      <p:sp>
+        <p:nvSpPr>
+          <p:cNvPr id="9" name="Rectangle 8"/>
+          <p:cNvSpPr/>
+          <p:nvPr/>
+        </p:nvSpPr>
+        <p:spPr>
+          <a:xfrm>
+            <a:off x="8494641" y="4554186"/>
+            <a:ext cx="1517375" cy="569843"/>
+          </a:xfrm>
+          <a:prstGeom prst="rect">
+            <a:avLst/>
+          </a:prstGeom>
+        </p:spPr>
+        <p:style>
+          <a:lnRef idx="2">
+            <a:schemeClr val="accent4">
+              <a:shade val="50000"/>
+            </a:schemeClr>
+          </a:lnRef>
+          <a:fillRef idx="1">
+            <a:schemeClr val="accent4"/>
+          </a:fillRef>
+          <a:effectRef idx="0">
+            <a:schemeClr val="accent4"/>
+          </a:effectRef>
+          <a:fontRef idx="minor">
+            <a:schemeClr val="lt1"/>
+          </a:fontRef>
+        </p:style>
+        <p:txBody>
+          <a:bodyPr rtlCol="0" anchor="ctr"/>
+          <a:lstStyle/>
+          <a:p>
+            <a:pPr algn="ctr"/>
+            <a:r>
+              <a:rPr lang="en-US" dirty="0" smtClean="0"/>
+              <a:t>Testing (15%)</a:t>
+            </a:r>
+            <a:endParaRPr lang="en-US" sz="1050" dirty="0" smtClean="0"/>
+          </a:p>
+        </p:txBody>
+      </p:sp>
+      <p:cxnSp>
+        <p:nvCxnSpPr>
+          <p:cNvPr id="13" name="Straight Arrow Connector 12"/>
+          <p:cNvCxnSpPr>
+            <a:stCxn id="4" idx="3"/>
+          </p:cNvCxnSpPr>
+          <p:nvPr/>
+        </p:nvCxnSpPr>
+        <p:spPr>
+          <a:xfrm flipV="1">
+            <a:off x="2676939" y="2875718"/>
+            <a:ext cx="740129" cy="4"/>
+          </a:xfrm>
+          <a:prstGeom prst="straightConnector1">
+            <a:avLst/>
+          </a:prstGeom>
+          <a:ln>
+            <a:tailEnd type="triangle"/>
+          </a:ln>
+        </p:spPr>
+        <p:style>
+          <a:lnRef idx="1">
+            <a:schemeClr val="accent1"/>
+          </a:lnRef>
+          <a:fillRef idx="0">
+            <a:schemeClr val="accent1"/>
+          </a:fillRef>
+          <a:effectRef idx="0">
+            <a:schemeClr val="accent1"/>
+          </a:effectRef>
+          <a:fontRef idx="minor">
+            <a:schemeClr val="tx1"/>
+          </a:fontRef>
+        </p:style>
+      </p:cxnSp>
+      <p:cxnSp>
+        <p:nvCxnSpPr>
+          <p:cNvPr id="15" name="Straight Arrow Connector 14"/>
+          <p:cNvCxnSpPr>
+            <a:stCxn id="5" idx="3"/>
+            <a:endCxn id="6" idx="1"/>
+          </p:cNvCxnSpPr>
+          <p:nvPr/>
+        </p:nvCxnSpPr>
+        <p:spPr>
+          <a:xfrm>
+            <a:off x="4934443" y="2875719"/>
+            <a:ext cx="740130" cy="2"/>
+          </a:xfrm>
+          <a:prstGeom prst="straightConnector1">
+            <a:avLst/>
+          </a:prstGeom>
+          <a:ln>
+            <a:tailEnd type="triangle"/>
+          </a:ln>
+        </p:spPr>
+        <p:style>
+          <a:lnRef idx="1">
+            <a:schemeClr val="accent1"/>
+          </a:lnRef>
+          <a:fillRef idx="0">
+            <a:schemeClr val="accent1"/>
+          </a:fillRef>
+          <a:effectRef idx="0">
+            <a:schemeClr val="accent1"/>
+          </a:effectRef>
+          <a:fontRef idx="minor">
+            <a:schemeClr val="tx1"/>
+          </a:fontRef>
+        </p:style>
+      </p:cxnSp>
+      <p:cxnSp>
+        <p:nvCxnSpPr>
+          <p:cNvPr id="17" name="Straight Arrow Connector 16"/>
+          <p:cNvCxnSpPr>
+            <a:stCxn id="6" idx="3"/>
+            <a:endCxn id="7" idx="1"/>
+          </p:cNvCxnSpPr>
+          <p:nvPr/>
+        </p:nvCxnSpPr>
+        <p:spPr>
+          <a:xfrm flipV="1">
+            <a:off x="7467596" y="2875720"/>
+            <a:ext cx="1027047" cy="1"/>
+          </a:xfrm>
+          <a:prstGeom prst="straightConnector1">
+            <a:avLst/>
+          </a:prstGeom>
+          <a:ln>
+            <a:tailEnd type="triangle"/>
+          </a:ln>
+        </p:spPr>
+        <p:style>
+          <a:lnRef idx="1">
+            <a:schemeClr val="accent1"/>
+          </a:lnRef>
+          <a:fillRef idx="0">
+            <a:schemeClr val="accent1"/>
+          </a:fillRef>
+          <a:effectRef idx="0">
+            <a:schemeClr val="accent1"/>
+          </a:effectRef>
+          <a:fontRef idx="minor">
+            <a:schemeClr val="tx1"/>
+          </a:fontRef>
+        </p:style>
+      </p:cxnSp>
+      <p:cxnSp>
+        <p:nvCxnSpPr>
+          <p:cNvPr id="19" name="Elbow Connector 18"/>
+          <p:cNvCxnSpPr>
+            <a:stCxn id="6" idx="3"/>
+            <a:endCxn id="8" idx="1"/>
+          </p:cNvCxnSpPr>
+          <p:nvPr/>
+        </p:nvCxnSpPr>
+        <p:spPr>
+          <a:xfrm>
+            <a:off x="7467596" y="2875721"/>
+            <a:ext cx="1027046" cy="981693"/>
+          </a:xfrm>
+          <a:prstGeom prst="bentConnector3">
+            <a:avLst/>
+          </a:prstGeom>
+          <a:ln>
+            <a:tailEnd type="triangle"/>
+          </a:ln>
+        </p:spPr>
+        <p:style>
+          <a:lnRef idx="1">
+            <a:schemeClr val="accent1"/>
+          </a:lnRef>
+          <a:fillRef idx="0">
+            <a:schemeClr val="accent1"/>
+          </a:fillRef>
+          <a:effectRef idx="0">
+            <a:schemeClr val="accent1"/>
+          </a:effectRef>
+          <a:fontRef idx="minor">
+            <a:schemeClr val="tx1"/>
+          </a:fontRef>
+        </p:style>
+      </p:cxnSp>
+      <p:cxnSp>
+        <p:nvCxnSpPr>
+          <p:cNvPr id="21" name="Elbow Connector 20"/>
+          <p:cNvCxnSpPr>
+            <a:stCxn id="6" idx="3"/>
+            <a:endCxn id="9" idx="1"/>
+          </p:cNvCxnSpPr>
+          <p:nvPr/>
+        </p:nvCxnSpPr>
+        <p:spPr>
+          <a:xfrm>
+            <a:off x="7467596" y="2875721"/>
+            <a:ext cx="1027045" cy="1963387"/>
+          </a:xfrm>
+          <a:prstGeom prst="bentConnector3">
+            <a:avLst/>
+          </a:prstGeom>
+          <a:ln>
+            <a:tailEnd type="triangle"/>
+          </a:ln>
+        </p:spPr>
+        <p:style>
+          <a:lnRef idx="1">
+            <a:schemeClr val="accent1"/>
+          </a:lnRef>
+          <a:fillRef idx="0">
+            <a:schemeClr val="accent1"/>
+          </a:fillRef>
+          <a:effectRef idx="0">
+            <a:schemeClr val="accent1"/>
+          </a:effectRef>
+          <a:fontRef idx="minor">
+            <a:schemeClr val="tx1"/>
+          </a:fontRef>
+        </p:style>
+      </p:cxnSp>
     </p:spTree>
     <p:extLst>
       <p:ext uri="{BB962C8B-B14F-4D97-AF65-F5344CB8AC3E}">
-        <p14:creationId xmlns:p14="http://schemas.microsoft.com/office/powerpoint/2010/main" val="1148079267"/>
+        <p14:creationId xmlns:p14="http://schemas.microsoft.com/office/powerpoint/2010/main" val="2521136872"/>
       </p:ext>
     </p:extLst>
   </p:cSld>
   <p:clrMapOvr>
     <a:masterClrMapping/>
   </p:clrMapOvr>
+  <p:timing>
+    <p:tnLst>
+      <p:par>
+        <p:cTn id="1" dur="indefinite" restart="never" nodeType="tmRoot"/>
+      </p:par>
+    </p:tnLst>
+  </p:timing>
 </p:sld>
 </file>
 
@@ -4671,8 +6002,8 @@
           <a:lstStyle/>
           <a:p>
             <a:r>
-              <a:rPr lang="en-US" smtClean="0"/>
-              <a:t>Decision Tree Model</a:t>
+              <a:rPr lang="en-US" dirty="0" smtClean="0"/>
+              <a:t>Plan – Model Tuning and Evaluation</a:t>
             </a:r>
             <a:endParaRPr lang="en-US" dirty="0"/>
           </a:p>
@@ -4688,72 +6019,1249 @@
             <p:ph idx="1"/>
           </p:nvPr>
         </p:nvSpPr>
-        <p:spPr/>
+        <p:spPr>
+          <a:xfrm>
+            <a:off x="1097280" y="2236668"/>
+            <a:ext cx="10058400" cy="4023360"/>
+          </a:xfrm>
+        </p:spPr>
         <p:txBody>
           <a:bodyPr/>
           <a:lstStyle/>
           <a:p>
-            <a:r>
-              <a:rPr lang="en-US" dirty="0" smtClean="0"/>
-              <a:t>Trained an initial decision tree that will be optimized using </a:t>
-            </a:r>
-            <a:r>
-              <a:rPr lang="en-US" dirty="0" err="1" smtClean="0"/>
-              <a:t>hyperparameters</a:t>
-            </a:r>
-            <a:endParaRPr lang="en-US" dirty="0" smtClean="0"/>
-          </a:p>
-          <a:p>
-            <a:pPr lvl="1"/>
-            <a:r>
-              <a:rPr lang="en-US" dirty="0" smtClean="0"/>
-              <a:t>Pros: Easy to visually interpret</a:t>
-            </a:r>
-          </a:p>
-          <a:p>
-            <a:pPr lvl="1"/>
-            <a:r>
-              <a:rPr lang="en-US" dirty="0" smtClean="0"/>
-              <a:t>Cons: Prone to overfitting, high variance</a:t>
-            </a:r>
-            <a:endParaRPr lang="en-US" dirty="0"/>
-          </a:p>
-        </p:txBody>
-      </p:sp>
-      <p:pic>
-        <p:nvPicPr>
-          <p:cNvPr id="4" name="Picture 3"/>
-          <p:cNvPicPr>
-            <a:picLocks noChangeAspect="1"/>
-          </p:cNvPicPr>
+            <a:pPr marL="0" indent="0">
+              <a:buNone/>
+            </a:pPr>
+            <a:r>
+              <a:rPr lang="en-US" sz="1100" dirty="0" smtClean="0"/>
+              <a:t> </a:t>
+            </a:r>
+            <a:endParaRPr lang="en-US" sz="1100" dirty="0"/>
+          </a:p>
+        </p:txBody>
+      </p:sp>
+      <p:sp>
+        <p:nvSpPr>
+          <p:cNvPr id="7" name="Rectangle 6"/>
+          <p:cNvSpPr/>
           <p:nvPr/>
-        </p:nvPicPr>
-        <p:blipFill>
-          <a:blip r:embed="rId2"/>
-          <a:stretch>
-            <a:fillRect/>
-          </a:stretch>
-        </p:blipFill>
+        </p:nvSpPr>
         <p:spPr>
           <a:xfrm>
-            <a:off x="5589353" y="2149645"/>
-            <a:ext cx="6420180" cy="4095961"/>
+            <a:off x="1258956" y="2451645"/>
+            <a:ext cx="1517375" cy="569843"/>
           </a:xfrm>
           <a:prstGeom prst="rect">
             <a:avLst/>
           </a:prstGeom>
         </p:spPr>
-      </p:pic>
+        <p:style>
+          <a:lnRef idx="2">
+            <a:schemeClr val="accent4">
+              <a:shade val="50000"/>
+            </a:schemeClr>
+          </a:lnRef>
+          <a:fillRef idx="1">
+            <a:schemeClr val="accent4"/>
+          </a:fillRef>
+          <a:effectRef idx="0">
+            <a:schemeClr val="accent4"/>
+          </a:effectRef>
+          <a:fontRef idx="minor">
+            <a:schemeClr val="lt1"/>
+          </a:fontRef>
+        </p:style>
+        <p:txBody>
+          <a:bodyPr rtlCol="0" anchor="ctr"/>
+          <a:lstStyle/>
+          <a:p>
+            <a:pPr algn="ctr"/>
+            <a:r>
+              <a:rPr lang="en-US" dirty="0" smtClean="0"/>
+              <a:t>Training (70%)</a:t>
+            </a:r>
+            <a:endParaRPr lang="en-US" sz="1050" dirty="0" smtClean="0"/>
+          </a:p>
+        </p:txBody>
+      </p:sp>
+      <p:sp>
+        <p:nvSpPr>
+          <p:cNvPr id="16" name="Rectangle 15"/>
+          <p:cNvSpPr/>
+          <p:nvPr/>
+        </p:nvSpPr>
+        <p:spPr>
+          <a:xfrm>
+            <a:off x="3697359" y="2451645"/>
+            <a:ext cx="1623392" cy="569843"/>
+          </a:xfrm>
+          <a:prstGeom prst="rect">
+            <a:avLst/>
+          </a:prstGeom>
+        </p:spPr>
+        <p:style>
+          <a:lnRef idx="2">
+            <a:schemeClr val="accent2">
+              <a:shade val="50000"/>
+            </a:schemeClr>
+          </a:lnRef>
+          <a:fillRef idx="1">
+            <a:schemeClr val="accent2"/>
+          </a:fillRef>
+          <a:effectRef idx="0">
+            <a:schemeClr val="accent2"/>
+          </a:effectRef>
+          <a:fontRef idx="minor">
+            <a:schemeClr val="lt1"/>
+          </a:fontRef>
+        </p:style>
+        <p:txBody>
+          <a:bodyPr rtlCol="0" anchor="ctr"/>
+          <a:lstStyle/>
+          <a:p>
+            <a:pPr algn="ctr"/>
+            <a:r>
+              <a:rPr lang="en-US" dirty="0" smtClean="0"/>
+              <a:t>Train </a:t>
+            </a:r>
+          </a:p>
+          <a:p>
+            <a:pPr algn="ctr"/>
+            <a:r>
+              <a:rPr lang="en-US" dirty="0" smtClean="0"/>
+              <a:t>Decision Tree</a:t>
+            </a:r>
+            <a:endParaRPr lang="en-US" sz="1050" dirty="0" smtClean="0"/>
+          </a:p>
+        </p:txBody>
+      </p:sp>
+      <p:sp>
+        <p:nvSpPr>
+          <p:cNvPr id="18" name="Rectangle 17"/>
+          <p:cNvSpPr/>
+          <p:nvPr/>
+        </p:nvSpPr>
+        <p:spPr>
+          <a:xfrm>
+            <a:off x="3697358" y="3363251"/>
+            <a:ext cx="1623393" cy="569843"/>
+          </a:xfrm>
+          <a:prstGeom prst="rect">
+            <a:avLst/>
+          </a:prstGeom>
+        </p:spPr>
+        <p:style>
+          <a:lnRef idx="2">
+            <a:schemeClr val="accent2">
+              <a:shade val="50000"/>
+            </a:schemeClr>
+          </a:lnRef>
+          <a:fillRef idx="1">
+            <a:schemeClr val="accent2"/>
+          </a:fillRef>
+          <a:effectRef idx="0">
+            <a:schemeClr val="accent2"/>
+          </a:effectRef>
+          <a:fontRef idx="minor">
+            <a:schemeClr val="lt1"/>
+          </a:fontRef>
+        </p:style>
+        <p:txBody>
+          <a:bodyPr rtlCol="0" anchor="ctr"/>
+          <a:lstStyle/>
+          <a:p>
+            <a:pPr algn="ctr"/>
+            <a:r>
+              <a:rPr lang="en-US" dirty="0" smtClean="0"/>
+              <a:t>Train </a:t>
+            </a:r>
+          </a:p>
+          <a:p>
+            <a:pPr algn="ctr"/>
+            <a:r>
+              <a:rPr lang="en-US" dirty="0" smtClean="0"/>
+              <a:t>Random Forest</a:t>
+            </a:r>
+            <a:endParaRPr lang="en-US" sz="1050" dirty="0" smtClean="0"/>
+          </a:p>
+        </p:txBody>
+      </p:sp>
+      <p:cxnSp>
+        <p:nvCxnSpPr>
+          <p:cNvPr id="11" name="Straight Arrow Connector 10"/>
+          <p:cNvCxnSpPr>
+            <a:stCxn id="7" idx="3"/>
+            <a:endCxn id="16" idx="1"/>
+          </p:cNvCxnSpPr>
+          <p:nvPr/>
+        </p:nvCxnSpPr>
+        <p:spPr>
+          <a:xfrm>
+            <a:off x="2776331" y="2736567"/>
+            <a:ext cx="921028" cy="0"/>
+          </a:xfrm>
+          <a:prstGeom prst="straightConnector1">
+            <a:avLst/>
+          </a:prstGeom>
+          <a:ln>
+            <a:tailEnd type="triangle"/>
+          </a:ln>
+        </p:spPr>
+        <p:style>
+          <a:lnRef idx="1">
+            <a:schemeClr val="accent1"/>
+          </a:lnRef>
+          <a:fillRef idx="0">
+            <a:schemeClr val="accent1"/>
+          </a:fillRef>
+          <a:effectRef idx="0">
+            <a:schemeClr val="accent1"/>
+          </a:effectRef>
+          <a:fontRef idx="minor">
+            <a:schemeClr val="tx1"/>
+          </a:fontRef>
+        </p:style>
+      </p:cxnSp>
+      <p:cxnSp>
+        <p:nvCxnSpPr>
+          <p:cNvPr id="14" name="Elbow Connector 13"/>
+          <p:cNvCxnSpPr>
+            <a:stCxn id="7" idx="3"/>
+            <a:endCxn id="18" idx="1"/>
+          </p:cNvCxnSpPr>
+          <p:nvPr/>
+        </p:nvCxnSpPr>
+        <p:spPr>
+          <a:xfrm>
+            <a:off x="2776331" y="2736567"/>
+            <a:ext cx="921027" cy="911606"/>
+          </a:xfrm>
+          <a:prstGeom prst="bentConnector3">
+            <a:avLst/>
+          </a:prstGeom>
+          <a:ln>
+            <a:tailEnd type="triangle"/>
+          </a:ln>
+        </p:spPr>
+        <p:style>
+          <a:lnRef idx="1">
+            <a:schemeClr val="accent1"/>
+          </a:lnRef>
+          <a:fillRef idx="0">
+            <a:schemeClr val="accent1"/>
+          </a:fillRef>
+          <a:effectRef idx="0">
+            <a:schemeClr val="accent1"/>
+          </a:effectRef>
+          <a:fontRef idx="minor">
+            <a:schemeClr val="tx1"/>
+          </a:fontRef>
+        </p:style>
+      </p:cxnSp>
+      <p:sp>
+        <p:nvSpPr>
+          <p:cNvPr id="42" name="Rectangle 41"/>
+          <p:cNvSpPr/>
+          <p:nvPr/>
+        </p:nvSpPr>
+        <p:spPr>
+          <a:xfrm>
+            <a:off x="1258954" y="4354164"/>
+            <a:ext cx="1775793" cy="546864"/>
+          </a:xfrm>
+          <a:prstGeom prst="rect">
+            <a:avLst/>
+          </a:prstGeom>
+        </p:spPr>
+        <p:style>
+          <a:lnRef idx="2">
+            <a:schemeClr val="accent2">
+              <a:shade val="50000"/>
+            </a:schemeClr>
+          </a:lnRef>
+          <a:fillRef idx="1">
+            <a:schemeClr val="accent2"/>
+          </a:fillRef>
+          <a:effectRef idx="0">
+            <a:schemeClr val="accent2"/>
+          </a:effectRef>
+          <a:fontRef idx="minor">
+            <a:schemeClr val="lt1"/>
+          </a:fontRef>
+        </p:style>
+        <p:txBody>
+          <a:bodyPr rtlCol="0" anchor="ctr"/>
+          <a:lstStyle/>
+          <a:p>
+            <a:pPr algn="ctr"/>
+            <a:r>
+              <a:rPr lang="en-US" dirty="0" err="1" smtClean="0"/>
+              <a:t>Hyperparameter</a:t>
+            </a:r>
+            <a:endParaRPr lang="en-US" dirty="0"/>
+          </a:p>
+          <a:p>
+            <a:pPr algn="ctr"/>
+            <a:r>
+              <a:rPr lang="en-US" dirty="0" smtClean="0"/>
+              <a:t>Grids</a:t>
+            </a:r>
+            <a:endParaRPr lang="en-US" sz="1050" dirty="0" smtClean="0"/>
+          </a:p>
+        </p:txBody>
+      </p:sp>
+      <p:sp>
+        <p:nvSpPr>
+          <p:cNvPr id="43" name="Rectangle 42"/>
+          <p:cNvSpPr/>
+          <p:nvPr/>
+        </p:nvSpPr>
+        <p:spPr>
+          <a:xfrm>
+            <a:off x="1388164" y="5276260"/>
+            <a:ext cx="1517375" cy="569843"/>
+          </a:xfrm>
+          <a:prstGeom prst="rect">
+            <a:avLst/>
+          </a:prstGeom>
+        </p:spPr>
+        <p:style>
+          <a:lnRef idx="2">
+            <a:schemeClr val="accent4">
+              <a:shade val="50000"/>
+            </a:schemeClr>
+          </a:lnRef>
+          <a:fillRef idx="1">
+            <a:schemeClr val="accent4"/>
+          </a:fillRef>
+          <a:effectRef idx="0">
+            <a:schemeClr val="accent4"/>
+          </a:effectRef>
+          <a:fontRef idx="minor">
+            <a:schemeClr val="lt1"/>
+          </a:fontRef>
+        </p:style>
+        <p:txBody>
+          <a:bodyPr rtlCol="0" anchor="ctr"/>
+          <a:lstStyle/>
+          <a:p>
+            <a:pPr algn="ctr"/>
+            <a:r>
+              <a:rPr lang="en-US" dirty="0" smtClean="0"/>
+              <a:t>Validation (15%)</a:t>
+            </a:r>
+            <a:endParaRPr lang="en-US" sz="1050" dirty="0" smtClean="0"/>
+          </a:p>
+        </p:txBody>
+      </p:sp>
+      <p:sp>
+        <p:nvSpPr>
+          <p:cNvPr id="44" name="Rectangle 43"/>
+          <p:cNvSpPr/>
+          <p:nvPr/>
+        </p:nvSpPr>
+        <p:spPr>
+          <a:xfrm>
+            <a:off x="3697359" y="4351195"/>
+            <a:ext cx="1623392" cy="569843"/>
+          </a:xfrm>
+          <a:prstGeom prst="rect">
+            <a:avLst/>
+          </a:prstGeom>
+        </p:spPr>
+        <p:style>
+          <a:lnRef idx="2">
+            <a:schemeClr val="accent2">
+              <a:shade val="50000"/>
+            </a:schemeClr>
+          </a:lnRef>
+          <a:fillRef idx="1">
+            <a:schemeClr val="accent2"/>
+          </a:fillRef>
+          <a:effectRef idx="0">
+            <a:schemeClr val="accent2"/>
+          </a:effectRef>
+          <a:fontRef idx="minor">
+            <a:schemeClr val="lt1"/>
+          </a:fontRef>
+        </p:style>
+        <p:txBody>
+          <a:bodyPr rtlCol="0" anchor="ctr"/>
+          <a:lstStyle/>
+          <a:p>
+            <a:pPr algn="ctr"/>
+            <a:r>
+              <a:rPr lang="en-US" dirty="0" smtClean="0"/>
+              <a:t>Tune </a:t>
+            </a:r>
+          </a:p>
+          <a:p>
+            <a:pPr algn="ctr"/>
+            <a:r>
+              <a:rPr lang="en-US" dirty="0" smtClean="0"/>
+              <a:t>Decision Tree</a:t>
+            </a:r>
+            <a:endParaRPr lang="en-US" sz="1050" dirty="0" smtClean="0"/>
+          </a:p>
+        </p:txBody>
+      </p:sp>
+      <p:sp>
+        <p:nvSpPr>
+          <p:cNvPr id="45" name="Rectangle 44"/>
+          <p:cNvSpPr/>
+          <p:nvPr/>
+        </p:nvSpPr>
+        <p:spPr>
+          <a:xfrm>
+            <a:off x="3697358" y="5262802"/>
+            <a:ext cx="1623392" cy="569843"/>
+          </a:xfrm>
+          <a:prstGeom prst="rect">
+            <a:avLst/>
+          </a:prstGeom>
+        </p:spPr>
+        <p:style>
+          <a:lnRef idx="2">
+            <a:schemeClr val="accent2">
+              <a:shade val="50000"/>
+            </a:schemeClr>
+          </a:lnRef>
+          <a:fillRef idx="1">
+            <a:schemeClr val="accent2"/>
+          </a:fillRef>
+          <a:effectRef idx="0">
+            <a:schemeClr val="accent2"/>
+          </a:effectRef>
+          <a:fontRef idx="minor">
+            <a:schemeClr val="lt1"/>
+          </a:fontRef>
+        </p:style>
+        <p:txBody>
+          <a:bodyPr rtlCol="0" anchor="ctr"/>
+          <a:lstStyle/>
+          <a:p>
+            <a:pPr algn="ctr"/>
+            <a:r>
+              <a:rPr lang="en-US" dirty="0" smtClean="0"/>
+              <a:t>Tune </a:t>
+            </a:r>
+          </a:p>
+          <a:p>
+            <a:pPr algn="ctr"/>
+            <a:r>
+              <a:rPr lang="en-US" dirty="0" smtClean="0"/>
+              <a:t>Random Forest</a:t>
+            </a:r>
+            <a:endParaRPr lang="en-US" sz="1050" dirty="0" smtClean="0"/>
+          </a:p>
+        </p:txBody>
+      </p:sp>
+      <p:sp>
+        <p:nvSpPr>
+          <p:cNvPr id="60" name="Rectangle 59"/>
+          <p:cNvSpPr/>
+          <p:nvPr/>
+        </p:nvSpPr>
+        <p:spPr>
+          <a:xfrm>
+            <a:off x="8211382" y="3781352"/>
+            <a:ext cx="1623392" cy="569843"/>
+          </a:xfrm>
+          <a:prstGeom prst="rect">
+            <a:avLst/>
+          </a:prstGeom>
+        </p:spPr>
+        <p:style>
+          <a:lnRef idx="2">
+            <a:schemeClr val="accent2">
+              <a:shade val="50000"/>
+            </a:schemeClr>
+          </a:lnRef>
+          <a:fillRef idx="1">
+            <a:schemeClr val="accent2"/>
+          </a:fillRef>
+          <a:effectRef idx="0">
+            <a:schemeClr val="accent2"/>
+          </a:effectRef>
+          <a:fontRef idx="minor">
+            <a:schemeClr val="lt1"/>
+          </a:fontRef>
+        </p:style>
+        <p:txBody>
+          <a:bodyPr rtlCol="0" anchor="ctr"/>
+          <a:lstStyle/>
+          <a:p>
+            <a:pPr algn="ctr"/>
+            <a:r>
+              <a:rPr lang="en-US" dirty="0" smtClean="0"/>
+              <a:t>Evaluate </a:t>
+            </a:r>
+          </a:p>
+          <a:p>
+            <a:pPr algn="ctr"/>
+            <a:r>
+              <a:rPr lang="en-US" dirty="0" smtClean="0"/>
+              <a:t>Decision Tree</a:t>
+            </a:r>
+            <a:endParaRPr lang="en-US" sz="1050" dirty="0" smtClean="0"/>
+          </a:p>
+        </p:txBody>
+      </p:sp>
+      <p:sp>
+        <p:nvSpPr>
+          <p:cNvPr id="61" name="Rectangle 60"/>
+          <p:cNvSpPr/>
+          <p:nvPr/>
+        </p:nvSpPr>
+        <p:spPr>
+          <a:xfrm>
+            <a:off x="8187859" y="4802738"/>
+            <a:ext cx="1623392" cy="569843"/>
+          </a:xfrm>
+          <a:prstGeom prst="rect">
+            <a:avLst/>
+          </a:prstGeom>
+        </p:spPr>
+        <p:style>
+          <a:lnRef idx="2">
+            <a:schemeClr val="accent2">
+              <a:shade val="50000"/>
+            </a:schemeClr>
+          </a:lnRef>
+          <a:fillRef idx="1">
+            <a:schemeClr val="accent2"/>
+          </a:fillRef>
+          <a:effectRef idx="0">
+            <a:schemeClr val="accent2"/>
+          </a:effectRef>
+          <a:fontRef idx="minor">
+            <a:schemeClr val="lt1"/>
+          </a:fontRef>
+        </p:style>
+        <p:txBody>
+          <a:bodyPr rtlCol="0" anchor="ctr"/>
+          <a:lstStyle/>
+          <a:p>
+            <a:pPr algn="ctr"/>
+            <a:r>
+              <a:rPr lang="en-US" dirty="0" smtClean="0"/>
+              <a:t>Evaluate </a:t>
+            </a:r>
+          </a:p>
+          <a:p>
+            <a:pPr algn="ctr"/>
+            <a:r>
+              <a:rPr lang="en-US" dirty="0" smtClean="0"/>
+              <a:t>Random Forest</a:t>
+            </a:r>
+            <a:endParaRPr lang="en-US" sz="1050" dirty="0" smtClean="0"/>
+          </a:p>
+        </p:txBody>
+      </p:sp>
+      <p:sp>
+        <p:nvSpPr>
+          <p:cNvPr id="62" name="Rectangle 61"/>
+          <p:cNvSpPr/>
+          <p:nvPr/>
+        </p:nvSpPr>
+        <p:spPr>
+          <a:xfrm>
+            <a:off x="5611303" y="2451645"/>
+            <a:ext cx="1517375" cy="569843"/>
+          </a:xfrm>
+          <a:prstGeom prst="rect">
+            <a:avLst/>
+          </a:prstGeom>
+        </p:spPr>
+        <p:style>
+          <a:lnRef idx="2">
+            <a:schemeClr val="accent4">
+              <a:shade val="50000"/>
+            </a:schemeClr>
+          </a:lnRef>
+          <a:fillRef idx="1">
+            <a:schemeClr val="accent4"/>
+          </a:fillRef>
+          <a:effectRef idx="0">
+            <a:schemeClr val="accent4"/>
+          </a:effectRef>
+          <a:fontRef idx="minor">
+            <a:schemeClr val="lt1"/>
+          </a:fontRef>
+        </p:style>
+        <p:txBody>
+          <a:bodyPr rtlCol="0" anchor="ctr"/>
+          <a:lstStyle/>
+          <a:p>
+            <a:pPr algn="ctr"/>
+            <a:r>
+              <a:rPr lang="en-US" dirty="0" smtClean="0"/>
+              <a:t>Testing (15%)</a:t>
+            </a:r>
+            <a:endParaRPr lang="en-US" sz="1050" dirty="0" smtClean="0"/>
+          </a:p>
+        </p:txBody>
+      </p:sp>
+      <p:sp>
+        <p:nvSpPr>
+          <p:cNvPr id="63" name="Rectangle 62"/>
+          <p:cNvSpPr/>
+          <p:nvPr/>
+        </p:nvSpPr>
+        <p:spPr>
+          <a:xfrm>
+            <a:off x="5611303" y="4215877"/>
+            <a:ext cx="1623392" cy="797271"/>
+          </a:xfrm>
+          <a:prstGeom prst="rect">
+            <a:avLst/>
+          </a:prstGeom>
+        </p:spPr>
+        <p:style>
+          <a:lnRef idx="2">
+            <a:schemeClr val="accent2">
+              <a:shade val="50000"/>
+            </a:schemeClr>
+          </a:lnRef>
+          <a:fillRef idx="1">
+            <a:schemeClr val="accent2"/>
+          </a:fillRef>
+          <a:effectRef idx="0">
+            <a:schemeClr val="accent2"/>
+          </a:effectRef>
+          <a:fontRef idx="minor">
+            <a:schemeClr val="lt1"/>
+          </a:fontRef>
+        </p:style>
+        <p:txBody>
+          <a:bodyPr rtlCol="0" anchor="ctr"/>
+          <a:lstStyle/>
+          <a:p>
+            <a:pPr algn="ctr"/>
+            <a:r>
+              <a:rPr lang="en-US" dirty="0" smtClean="0"/>
+              <a:t>Ideal Parameters for Decision Tree</a:t>
+            </a:r>
+            <a:endParaRPr lang="en-US" sz="1050" dirty="0" smtClean="0"/>
+          </a:p>
+        </p:txBody>
+      </p:sp>
+      <p:sp>
+        <p:nvSpPr>
+          <p:cNvPr id="64" name="Rectangle 63"/>
+          <p:cNvSpPr/>
+          <p:nvPr/>
+        </p:nvSpPr>
+        <p:spPr>
+          <a:xfrm>
+            <a:off x="5611303" y="5114764"/>
+            <a:ext cx="1623392" cy="892833"/>
+          </a:xfrm>
+          <a:prstGeom prst="rect">
+            <a:avLst/>
+          </a:prstGeom>
+        </p:spPr>
+        <p:style>
+          <a:lnRef idx="2">
+            <a:schemeClr val="accent2">
+              <a:shade val="50000"/>
+            </a:schemeClr>
+          </a:lnRef>
+          <a:fillRef idx="1">
+            <a:schemeClr val="accent2"/>
+          </a:fillRef>
+          <a:effectRef idx="0">
+            <a:schemeClr val="accent2"/>
+          </a:effectRef>
+          <a:fontRef idx="minor">
+            <a:schemeClr val="lt1"/>
+          </a:fontRef>
+        </p:style>
+        <p:txBody>
+          <a:bodyPr rtlCol="0" anchor="ctr"/>
+          <a:lstStyle/>
+          <a:p>
+            <a:pPr algn="ctr"/>
+            <a:r>
+              <a:rPr lang="en-US" dirty="0" smtClean="0"/>
+              <a:t>Ideal Parameters for Random Forest</a:t>
+            </a:r>
+            <a:endParaRPr lang="en-US" sz="1050" dirty="0" smtClean="0"/>
+          </a:p>
+        </p:txBody>
+      </p:sp>
+      <p:cxnSp>
+        <p:nvCxnSpPr>
+          <p:cNvPr id="66" name="Straight Arrow Connector 65"/>
+          <p:cNvCxnSpPr>
+            <a:stCxn id="44" idx="3"/>
+          </p:cNvCxnSpPr>
+          <p:nvPr/>
+        </p:nvCxnSpPr>
+        <p:spPr>
+          <a:xfrm flipV="1">
+            <a:off x="5320751" y="4636116"/>
+            <a:ext cx="290552" cy="1"/>
+          </a:xfrm>
+          <a:prstGeom prst="straightConnector1">
+            <a:avLst/>
+          </a:prstGeom>
+          <a:ln>
+            <a:tailEnd type="triangle"/>
+          </a:ln>
+        </p:spPr>
+        <p:style>
+          <a:lnRef idx="1">
+            <a:schemeClr val="accent1"/>
+          </a:lnRef>
+          <a:fillRef idx="0">
+            <a:schemeClr val="accent1"/>
+          </a:fillRef>
+          <a:effectRef idx="0">
+            <a:schemeClr val="accent1"/>
+          </a:effectRef>
+          <a:fontRef idx="minor">
+            <a:schemeClr val="tx1"/>
+          </a:fontRef>
+        </p:style>
+      </p:cxnSp>
+      <p:cxnSp>
+        <p:nvCxnSpPr>
+          <p:cNvPr id="68" name="Straight Arrow Connector 67"/>
+          <p:cNvCxnSpPr>
+            <a:stCxn id="45" idx="3"/>
+            <a:endCxn id="64" idx="1"/>
+          </p:cNvCxnSpPr>
+          <p:nvPr/>
+        </p:nvCxnSpPr>
+        <p:spPr>
+          <a:xfrm>
+            <a:off x="5320750" y="5547724"/>
+            <a:ext cx="290553" cy="13457"/>
+          </a:xfrm>
+          <a:prstGeom prst="straightConnector1">
+            <a:avLst/>
+          </a:prstGeom>
+          <a:ln>
+            <a:tailEnd type="triangle"/>
+          </a:ln>
+        </p:spPr>
+        <p:style>
+          <a:lnRef idx="1">
+            <a:schemeClr val="accent1"/>
+          </a:lnRef>
+          <a:fillRef idx="0">
+            <a:schemeClr val="accent1"/>
+          </a:fillRef>
+          <a:effectRef idx="0">
+            <a:schemeClr val="accent1"/>
+          </a:effectRef>
+          <a:fontRef idx="minor">
+            <a:schemeClr val="tx1"/>
+          </a:fontRef>
+        </p:style>
+      </p:cxnSp>
+      <p:cxnSp>
+        <p:nvCxnSpPr>
+          <p:cNvPr id="72" name="Straight Connector 71"/>
+          <p:cNvCxnSpPr/>
+          <p:nvPr/>
+        </p:nvCxnSpPr>
+        <p:spPr>
+          <a:xfrm>
+            <a:off x="7128678" y="2736566"/>
+            <a:ext cx="511200" cy="0"/>
+          </a:xfrm>
+          <a:prstGeom prst="line">
+            <a:avLst/>
+          </a:prstGeom>
+        </p:spPr>
+        <p:style>
+          <a:lnRef idx="1">
+            <a:schemeClr val="accent1"/>
+          </a:lnRef>
+          <a:fillRef idx="0">
+            <a:schemeClr val="accent1"/>
+          </a:fillRef>
+          <a:effectRef idx="0">
+            <a:schemeClr val="accent1"/>
+          </a:effectRef>
+          <a:fontRef idx="minor">
+            <a:schemeClr val="tx1"/>
+          </a:fontRef>
+        </p:style>
+      </p:cxnSp>
+      <p:cxnSp>
+        <p:nvCxnSpPr>
+          <p:cNvPr id="74" name="Straight Connector 73"/>
+          <p:cNvCxnSpPr/>
+          <p:nvPr/>
+        </p:nvCxnSpPr>
+        <p:spPr>
+          <a:xfrm flipH="1">
+            <a:off x="7639878" y="2736566"/>
+            <a:ext cx="6626" cy="2824614"/>
+          </a:xfrm>
+          <a:prstGeom prst="line">
+            <a:avLst/>
+          </a:prstGeom>
+        </p:spPr>
+        <p:style>
+          <a:lnRef idx="1">
+            <a:schemeClr val="accent1"/>
+          </a:lnRef>
+          <a:fillRef idx="0">
+            <a:schemeClr val="accent1"/>
+          </a:fillRef>
+          <a:effectRef idx="0">
+            <a:schemeClr val="accent1"/>
+          </a:effectRef>
+          <a:fontRef idx="minor">
+            <a:schemeClr val="tx1"/>
+          </a:fontRef>
+        </p:style>
+      </p:cxnSp>
+      <p:cxnSp>
+        <p:nvCxnSpPr>
+          <p:cNvPr id="78" name="Straight Connector 77"/>
+          <p:cNvCxnSpPr>
+            <a:stCxn id="63" idx="3"/>
+          </p:cNvCxnSpPr>
+          <p:nvPr/>
+        </p:nvCxnSpPr>
+        <p:spPr>
+          <a:xfrm flipV="1">
+            <a:off x="7234695" y="4614512"/>
+            <a:ext cx="418436" cy="1"/>
+          </a:xfrm>
+          <a:prstGeom prst="line">
+            <a:avLst/>
+          </a:prstGeom>
+        </p:spPr>
+        <p:style>
+          <a:lnRef idx="1">
+            <a:schemeClr val="accent1"/>
+          </a:lnRef>
+          <a:fillRef idx="0">
+            <a:schemeClr val="accent1"/>
+          </a:fillRef>
+          <a:effectRef idx="0">
+            <a:schemeClr val="accent1"/>
+          </a:effectRef>
+          <a:fontRef idx="minor">
+            <a:schemeClr val="tx1"/>
+          </a:fontRef>
+        </p:style>
+      </p:cxnSp>
+      <p:cxnSp>
+        <p:nvCxnSpPr>
+          <p:cNvPr id="81" name="Straight Connector 80"/>
+          <p:cNvCxnSpPr>
+            <a:stCxn id="64" idx="3"/>
+          </p:cNvCxnSpPr>
+          <p:nvPr/>
+        </p:nvCxnSpPr>
+        <p:spPr>
+          <a:xfrm flipV="1">
+            <a:off x="7234695" y="5548979"/>
+            <a:ext cx="418436" cy="12202"/>
+          </a:xfrm>
+          <a:prstGeom prst="line">
+            <a:avLst/>
+          </a:prstGeom>
+        </p:spPr>
+        <p:style>
+          <a:lnRef idx="1">
+            <a:schemeClr val="accent1"/>
+          </a:lnRef>
+          <a:fillRef idx="0">
+            <a:schemeClr val="accent1"/>
+          </a:fillRef>
+          <a:effectRef idx="0">
+            <a:schemeClr val="accent1"/>
+          </a:effectRef>
+          <a:fontRef idx="minor">
+            <a:schemeClr val="tx1"/>
+          </a:fontRef>
+        </p:style>
+      </p:cxnSp>
+      <p:cxnSp>
+        <p:nvCxnSpPr>
+          <p:cNvPr id="84" name="Straight Arrow Connector 83"/>
+          <p:cNvCxnSpPr>
+            <a:endCxn id="60" idx="1"/>
+          </p:cNvCxnSpPr>
+          <p:nvPr/>
+        </p:nvCxnSpPr>
+        <p:spPr>
+          <a:xfrm>
+            <a:off x="7646504" y="4066273"/>
+            <a:ext cx="564878" cy="1"/>
+          </a:xfrm>
+          <a:prstGeom prst="straightConnector1">
+            <a:avLst/>
+          </a:prstGeom>
+          <a:ln>
+            <a:tailEnd type="triangle"/>
+          </a:ln>
+        </p:spPr>
+        <p:style>
+          <a:lnRef idx="1">
+            <a:schemeClr val="accent1"/>
+          </a:lnRef>
+          <a:fillRef idx="0">
+            <a:schemeClr val="accent1"/>
+          </a:fillRef>
+          <a:effectRef idx="0">
+            <a:schemeClr val="accent1"/>
+          </a:effectRef>
+          <a:fontRef idx="minor">
+            <a:schemeClr val="tx1"/>
+          </a:fontRef>
+        </p:style>
+      </p:cxnSp>
+      <p:cxnSp>
+        <p:nvCxnSpPr>
+          <p:cNvPr id="86" name="Straight Arrow Connector 85"/>
+          <p:cNvCxnSpPr>
+            <a:endCxn id="61" idx="1"/>
+          </p:cNvCxnSpPr>
+          <p:nvPr/>
+        </p:nvCxnSpPr>
+        <p:spPr>
+          <a:xfrm>
+            <a:off x="7639878" y="5087659"/>
+            <a:ext cx="547981" cy="1"/>
+          </a:xfrm>
+          <a:prstGeom prst="straightConnector1">
+            <a:avLst/>
+          </a:prstGeom>
+          <a:ln>
+            <a:tailEnd type="triangle"/>
+          </a:ln>
+        </p:spPr>
+        <p:style>
+          <a:lnRef idx="1">
+            <a:schemeClr val="accent1"/>
+          </a:lnRef>
+          <a:fillRef idx="0">
+            <a:schemeClr val="accent1"/>
+          </a:fillRef>
+          <a:effectRef idx="0">
+            <a:schemeClr val="accent1"/>
+          </a:effectRef>
+          <a:fontRef idx="minor">
+            <a:schemeClr val="tx1"/>
+          </a:fontRef>
+        </p:style>
+      </p:cxnSp>
+      <p:sp>
+        <p:nvSpPr>
+          <p:cNvPr id="88" name="Rectangle 87"/>
+          <p:cNvSpPr/>
+          <p:nvPr/>
+        </p:nvSpPr>
+        <p:spPr>
+          <a:xfrm>
+            <a:off x="10399652" y="4248348"/>
+            <a:ext cx="1623392" cy="569843"/>
+          </a:xfrm>
+          <a:prstGeom prst="rect">
+            <a:avLst/>
+          </a:prstGeom>
+        </p:spPr>
+        <p:style>
+          <a:lnRef idx="2">
+            <a:schemeClr val="accent2">
+              <a:shade val="50000"/>
+            </a:schemeClr>
+          </a:lnRef>
+          <a:fillRef idx="1">
+            <a:schemeClr val="accent2"/>
+          </a:fillRef>
+          <a:effectRef idx="0">
+            <a:schemeClr val="accent2"/>
+          </a:effectRef>
+          <a:fontRef idx="minor">
+            <a:schemeClr val="lt1"/>
+          </a:fontRef>
+        </p:style>
+        <p:txBody>
+          <a:bodyPr rtlCol="0" anchor="ctr"/>
+          <a:lstStyle/>
+          <a:p>
+            <a:pPr algn="ctr"/>
+            <a:r>
+              <a:rPr lang="en-US" dirty="0" smtClean="0"/>
+              <a:t>Compare and select model</a:t>
+            </a:r>
+            <a:endParaRPr lang="en-US" sz="1050" dirty="0" smtClean="0"/>
+          </a:p>
+        </p:txBody>
+      </p:sp>
+      <p:cxnSp>
+        <p:nvCxnSpPr>
+          <p:cNvPr id="92" name="Elbow Connector 91"/>
+          <p:cNvCxnSpPr>
+            <a:stCxn id="60" idx="3"/>
+          </p:cNvCxnSpPr>
+          <p:nvPr/>
+        </p:nvCxnSpPr>
+        <p:spPr>
+          <a:xfrm>
+            <a:off x="9834774" y="4066274"/>
+            <a:ext cx="564878" cy="466995"/>
+          </a:xfrm>
+          <a:prstGeom prst="bentConnector3">
+            <a:avLst/>
+          </a:prstGeom>
+          <a:ln>
+            <a:tailEnd type="triangle"/>
+          </a:ln>
+        </p:spPr>
+        <p:style>
+          <a:lnRef idx="1">
+            <a:schemeClr val="accent1"/>
+          </a:lnRef>
+          <a:fillRef idx="0">
+            <a:schemeClr val="accent1"/>
+          </a:fillRef>
+          <a:effectRef idx="0">
+            <a:schemeClr val="accent1"/>
+          </a:effectRef>
+          <a:fontRef idx="minor">
+            <a:schemeClr val="tx1"/>
+          </a:fontRef>
+        </p:style>
+      </p:cxnSp>
+      <p:cxnSp>
+        <p:nvCxnSpPr>
+          <p:cNvPr id="94" name="Elbow Connector 93"/>
+          <p:cNvCxnSpPr>
+            <a:stCxn id="61" idx="3"/>
+          </p:cNvCxnSpPr>
+          <p:nvPr/>
+        </p:nvCxnSpPr>
+        <p:spPr>
+          <a:xfrm flipV="1">
+            <a:off x="9811251" y="4533269"/>
+            <a:ext cx="588401" cy="554391"/>
+          </a:xfrm>
+          <a:prstGeom prst="bentConnector3">
+            <a:avLst/>
+          </a:prstGeom>
+          <a:ln>
+            <a:tailEnd type="triangle"/>
+          </a:ln>
+        </p:spPr>
+        <p:style>
+          <a:lnRef idx="1">
+            <a:schemeClr val="accent1"/>
+          </a:lnRef>
+          <a:fillRef idx="0">
+            <a:schemeClr val="accent1"/>
+          </a:fillRef>
+          <a:effectRef idx="0">
+            <a:schemeClr val="accent1"/>
+          </a:effectRef>
+          <a:fontRef idx="minor">
+            <a:schemeClr val="tx1"/>
+          </a:fontRef>
+        </p:style>
+      </p:cxnSp>
+      <p:cxnSp>
+        <p:nvCxnSpPr>
+          <p:cNvPr id="102" name="Straight Arrow Connector 101"/>
+          <p:cNvCxnSpPr>
+            <a:stCxn id="42" idx="3"/>
+            <a:endCxn id="44" idx="1"/>
+          </p:cNvCxnSpPr>
+          <p:nvPr/>
+        </p:nvCxnSpPr>
+        <p:spPr>
+          <a:xfrm>
+            <a:off x="3034747" y="4627596"/>
+            <a:ext cx="662612" cy="8521"/>
+          </a:xfrm>
+          <a:prstGeom prst="straightConnector1">
+            <a:avLst/>
+          </a:prstGeom>
+          <a:ln>
+            <a:tailEnd type="triangle"/>
+          </a:ln>
+        </p:spPr>
+        <p:style>
+          <a:lnRef idx="1">
+            <a:schemeClr val="accent1"/>
+          </a:lnRef>
+          <a:fillRef idx="0">
+            <a:schemeClr val="accent1"/>
+          </a:fillRef>
+          <a:effectRef idx="0">
+            <a:schemeClr val="accent1"/>
+          </a:effectRef>
+          <a:fontRef idx="minor">
+            <a:schemeClr val="tx1"/>
+          </a:fontRef>
+        </p:style>
+      </p:cxnSp>
+      <p:cxnSp>
+        <p:nvCxnSpPr>
+          <p:cNvPr id="107" name="Straight Arrow Connector 106"/>
+          <p:cNvCxnSpPr>
+            <a:stCxn id="43" idx="3"/>
+            <a:endCxn id="45" idx="1"/>
+          </p:cNvCxnSpPr>
+          <p:nvPr/>
+        </p:nvCxnSpPr>
+        <p:spPr>
+          <a:xfrm flipV="1">
+            <a:off x="2905539" y="5547724"/>
+            <a:ext cx="791819" cy="13458"/>
+          </a:xfrm>
+          <a:prstGeom prst="straightConnector1">
+            <a:avLst/>
+          </a:prstGeom>
+          <a:ln>
+            <a:tailEnd type="triangle"/>
+          </a:ln>
+        </p:spPr>
+        <p:style>
+          <a:lnRef idx="1">
+            <a:schemeClr val="accent1"/>
+          </a:lnRef>
+          <a:fillRef idx="0">
+            <a:schemeClr val="accent1"/>
+          </a:fillRef>
+          <a:effectRef idx="0">
+            <a:schemeClr val="accent1"/>
+          </a:effectRef>
+          <a:fontRef idx="minor">
+            <a:schemeClr val="tx1"/>
+          </a:fontRef>
+        </p:style>
+      </p:cxnSp>
+      <p:cxnSp>
+        <p:nvCxnSpPr>
+          <p:cNvPr id="109" name="Straight Connector 108"/>
+          <p:cNvCxnSpPr/>
+          <p:nvPr/>
+        </p:nvCxnSpPr>
+        <p:spPr>
+          <a:xfrm>
+            <a:off x="3310722" y="4627596"/>
+            <a:ext cx="10603" cy="920127"/>
+          </a:xfrm>
+          <a:prstGeom prst="line">
+            <a:avLst/>
+          </a:prstGeom>
+        </p:spPr>
+        <p:style>
+          <a:lnRef idx="1">
+            <a:schemeClr val="accent1"/>
+          </a:lnRef>
+          <a:fillRef idx="0">
+            <a:schemeClr val="accent1"/>
+          </a:fillRef>
+          <a:effectRef idx="0">
+            <a:schemeClr val="accent1"/>
+          </a:effectRef>
+          <a:fontRef idx="minor">
+            <a:schemeClr val="tx1"/>
+          </a:fontRef>
+        </p:style>
+      </p:cxnSp>
+      <p:cxnSp>
+        <p:nvCxnSpPr>
+          <p:cNvPr id="111" name="Elbow Connector 110"/>
+          <p:cNvCxnSpPr>
+            <a:stCxn id="16" idx="0"/>
+            <a:endCxn id="88" idx="0"/>
+          </p:cNvCxnSpPr>
+          <p:nvPr/>
+        </p:nvCxnSpPr>
+        <p:spPr>
+          <a:xfrm rot="16200000" flipH="1">
+            <a:off x="6961849" y="-1150"/>
+            <a:ext cx="1796703" cy="6702293"/>
+          </a:xfrm>
+          <a:prstGeom prst="bentConnector3">
+            <a:avLst>
+              <a:gd name="adj1" fmla="val -12723"/>
+            </a:avLst>
+          </a:prstGeom>
+          <a:ln>
+            <a:tailEnd type="triangle"/>
+          </a:ln>
+        </p:spPr>
+        <p:style>
+          <a:lnRef idx="1">
+            <a:schemeClr val="accent1"/>
+          </a:lnRef>
+          <a:fillRef idx="0">
+            <a:schemeClr val="accent1"/>
+          </a:fillRef>
+          <a:effectRef idx="0">
+            <a:schemeClr val="accent1"/>
+          </a:effectRef>
+          <a:fontRef idx="minor">
+            <a:schemeClr val="tx1"/>
+          </a:fontRef>
+        </p:style>
+      </p:cxnSp>
+      <p:cxnSp>
+        <p:nvCxnSpPr>
+          <p:cNvPr id="113" name="Elbow Connector 112"/>
+          <p:cNvCxnSpPr>
+            <a:stCxn id="18" idx="3"/>
+            <a:endCxn id="88" idx="0"/>
+          </p:cNvCxnSpPr>
+          <p:nvPr/>
+        </p:nvCxnSpPr>
+        <p:spPr>
+          <a:xfrm>
+            <a:off x="5320751" y="3648173"/>
+            <a:ext cx="5890597" cy="600175"/>
+          </a:xfrm>
+          <a:prstGeom prst="bentConnector2">
+            <a:avLst/>
+          </a:prstGeom>
+          <a:ln>
+            <a:tailEnd type="triangle"/>
+          </a:ln>
+        </p:spPr>
+        <p:style>
+          <a:lnRef idx="1">
+            <a:schemeClr val="accent1"/>
+          </a:lnRef>
+          <a:fillRef idx="0">
+            <a:schemeClr val="accent1"/>
+          </a:fillRef>
+          <a:effectRef idx="0">
+            <a:schemeClr val="accent1"/>
+          </a:effectRef>
+          <a:fontRef idx="minor">
+            <a:schemeClr val="tx1"/>
+          </a:fontRef>
+        </p:style>
+      </p:cxnSp>
     </p:spTree>
     <p:extLst>
       <p:ext uri="{BB962C8B-B14F-4D97-AF65-F5344CB8AC3E}">
-        <p14:creationId xmlns:p14="http://schemas.microsoft.com/office/powerpoint/2010/main" val="3537217393"/>
+        <p14:creationId xmlns:p14="http://schemas.microsoft.com/office/powerpoint/2010/main" val="2314186018"/>
       </p:ext>
     </p:extLst>
   </p:cSld>
   <p:clrMapOvr>
     <a:masterClrMapping/>
   </p:clrMapOvr>
+  <p:timing>
+    <p:tnLst>
+      <p:par>
+        <p:cTn id="1" dur="indefinite" restart="never" nodeType="tmRoot"/>
+      </p:par>
+    </p:tnLst>
+  </p:timing>
 </p:sld>
 </file>
 
@@ -4791,6 +7299,294 @@
           <a:p>
             <a:r>
               <a:rPr lang="en-US" dirty="0" smtClean="0"/>
+              <a:t>Data Preparation</a:t>
+            </a:r>
+            <a:endParaRPr lang="en-US" dirty="0"/>
+          </a:p>
+        </p:txBody>
+      </p:sp>
+      <p:sp>
+        <p:nvSpPr>
+          <p:cNvPr id="3" name="Content Placeholder 2"/>
+          <p:cNvSpPr>
+            <a:spLocks noGrp="1"/>
+          </p:cNvSpPr>
+          <p:nvPr>
+            <p:ph idx="1"/>
+          </p:nvPr>
+        </p:nvSpPr>
+        <p:spPr/>
+        <p:txBody>
+          <a:bodyPr/>
+          <a:lstStyle/>
+          <a:p>
+            <a:r>
+              <a:rPr lang="en-US" dirty="0" smtClean="0"/>
+              <a:t>Removed column with missing data: </a:t>
+            </a:r>
+            <a:r>
+              <a:rPr lang="en-US" dirty="0" err="1" smtClean="0"/>
+              <a:t>nr.employed</a:t>
+            </a:r>
+            <a:endParaRPr lang="en-US" dirty="0" smtClean="0"/>
+          </a:p>
+          <a:p>
+            <a:pPr lvl="1"/>
+            <a:r>
+              <a:rPr lang="en-US" dirty="0" smtClean="0"/>
+              <a:t>33425 rows of NAs</a:t>
+            </a:r>
+          </a:p>
+          <a:p>
+            <a:pPr lvl="1"/>
+            <a:r>
+              <a:rPr lang="en-US" dirty="0" smtClean="0"/>
+              <a:t>Only one value for the non-missing rows</a:t>
+            </a:r>
+          </a:p>
+          <a:p>
+            <a:r>
+              <a:rPr lang="en-US" dirty="0" smtClean="0"/>
+              <a:t>Removed </a:t>
+            </a:r>
+            <a:r>
+              <a:rPr lang="en-US" dirty="0" smtClean="0"/>
+              <a:t>a </a:t>
+            </a:r>
+            <a:r>
+              <a:rPr lang="en-US" dirty="0" smtClean="0"/>
+              <a:t>column </a:t>
+            </a:r>
+            <a:r>
+              <a:rPr lang="en-US" dirty="0" smtClean="0"/>
+              <a:t>with </a:t>
+            </a:r>
+            <a:r>
+              <a:rPr lang="en-US" dirty="0" smtClean="0"/>
+              <a:t>zero </a:t>
+            </a:r>
+            <a:r>
+              <a:rPr lang="en-US" dirty="0" smtClean="0"/>
+              <a:t>variance</a:t>
+            </a:r>
+          </a:p>
+          <a:p>
+            <a:pPr lvl="1"/>
+            <a:r>
+              <a:rPr lang="en-US" dirty="0" smtClean="0"/>
+              <a:t>Column </a:t>
+            </a:r>
+            <a:r>
+              <a:rPr lang="en-US" dirty="0" err="1" smtClean="0"/>
+              <a:t>pdays</a:t>
+            </a:r>
+            <a:r>
+              <a:rPr lang="en-US" dirty="0" smtClean="0"/>
+              <a:t> was removed since there was only one value in the entire column</a:t>
+            </a:r>
+            <a:endParaRPr lang="en-US" dirty="0"/>
+          </a:p>
+          <a:p>
+            <a:r>
+              <a:rPr lang="en-US" dirty="0"/>
+              <a:t>Factorized Categorical Variables</a:t>
+            </a:r>
+          </a:p>
+          <a:p>
+            <a:pPr lvl="1"/>
+            <a:r>
+              <a:rPr lang="en-US" dirty="0"/>
+              <a:t>Columns containing categorical variables like job, marital status, education… were factorized</a:t>
+            </a:r>
+            <a:r>
+              <a:rPr lang="en-US" dirty="0" smtClean="0"/>
+              <a:t>.</a:t>
+            </a:r>
+          </a:p>
+          <a:p>
+            <a:r>
+              <a:rPr lang="en-US" dirty="0"/>
+              <a:t>Split data into training set (70%), validation set (15%), test set (15</a:t>
+            </a:r>
+            <a:r>
+              <a:rPr lang="en-US" dirty="0" smtClean="0"/>
+              <a:t>%)</a:t>
+            </a:r>
+            <a:endParaRPr lang="en-US" dirty="0"/>
+          </a:p>
+        </p:txBody>
+      </p:sp>
+    </p:spTree>
+    <p:extLst>
+      <p:ext uri="{BB962C8B-B14F-4D97-AF65-F5344CB8AC3E}">
+        <p14:creationId xmlns:p14="http://schemas.microsoft.com/office/powerpoint/2010/main" val="1148079267"/>
+      </p:ext>
+    </p:extLst>
+  </p:cSld>
+  <p:clrMapOvr>
+    <a:masterClrMapping/>
+  </p:clrMapOvr>
+  <p:timing>
+    <p:tnLst>
+      <p:par>
+        <p:cTn id="1" dur="indefinite" restart="never" nodeType="tmRoot"/>
+      </p:par>
+    </p:tnLst>
+  </p:timing>
+</p:sld>
+</file>
+
+<file path=ppt/slides/slide7.xml><?xml version="1.0" encoding="utf-8"?>
+<p:sld xmlns:a="http://schemas.openxmlformats.org/drawingml/2006/main" xmlns:r="http://schemas.openxmlformats.org/officeDocument/2006/relationships" xmlns:p="http://schemas.openxmlformats.org/presentationml/2006/main">
+  <p:cSld>
+    <p:spTree>
+      <p:nvGrpSpPr>
+        <p:cNvPr id="1" name=""/>
+        <p:cNvGrpSpPr/>
+        <p:nvPr/>
+      </p:nvGrpSpPr>
+      <p:grpSpPr>
+        <a:xfrm>
+          <a:off x="0" y="0"/>
+          <a:ext cx="0" cy="0"/>
+          <a:chOff x="0" y="0"/>
+          <a:chExt cx="0" cy="0"/>
+        </a:xfrm>
+      </p:grpSpPr>
+      <p:sp>
+        <p:nvSpPr>
+          <p:cNvPr id="2" name="Title 1"/>
+          <p:cNvSpPr>
+            <a:spLocks noGrp="1"/>
+          </p:cNvSpPr>
+          <p:nvPr>
+            <p:ph type="title"/>
+          </p:nvPr>
+        </p:nvSpPr>
+        <p:spPr/>
+        <p:txBody>
+          <a:bodyPr/>
+          <a:lstStyle/>
+          <a:p>
+            <a:r>
+              <a:rPr lang="en-US" dirty="0" smtClean="0"/>
+              <a:t>Decision Tree Model</a:t>
+            </a:r>
+            <a:endParaRPr lang="en-US" dirty="0"/>
+          </a:p>
+        </p:txBody>
+      </p:sp>
+      <p:sp>
+        <p:nvSpPr>
+          <p:cNvPr id="3" name="Content Placeholder 2"/>
+          <p:cNvSpPr>
+            <a:spLocks noGrp="1"/>
+          </p:cNvSpPr>
+          <p:nvPr>
+            <p:ph idx="1"/>
+          </p:nvPr>
+        </p:nvSpPr>
+        <p:spPr/>
+        <p:txBody>
+          <a:bodyPr/>
+          <a:lstStyle/>
+          <a:p>
+            <a:r>
+              <a:rPr lang="en-US" dirty="0" smtClean="0"/>
+              <a:t>Pros</a:t>
+            </a:r>
+            <a:r>
+              <a:rPr lang="en-US" dirty="0" smtClean="0"/>
+              <a:t>: Easy to visually interpret</a:t>
+            </a:r>
+          </a:p>
+          <a:p>
+            <a:r>
+              <a:rPr lang="en-US" dirty="0" smtClean="0"/>
+              <a:t>Cons: Prone to overfitting, high variance</a:t>
+            </a:r>
+            <a:endParaRPr lang="en-US" dirty="0"/>
+          </a:p>
+        </p:txBody>
+      </p:sp>
+      <p:pic>
+        <p:nvPicPr>
+          <p:cNvPr id="4" name="Picture 3"/>
+          <p:cNvPicPr>
+            <a:picLocks noChangeAspect="1"/>
+          </p:cNvPicPr>
+          <p:nvPr/>
+        </p:nvPicPr>
+        <p:blipFill>
+          <a:blip r:embed="rId2"/>
+          <a:stretch>
+            <a:fillRect/>
+          </a:stretch>
+        </p:blipFill>
+        <p:spPr>
+          <a:xfrm>
+            <a:off x="5589353" y="2149645"/>
+            <a:ext cx="6420180" cy="4095961"/>
+          </a:xfrm>
+          <a:prstGeom prst="rect">
+            <a:avLst/>
+          </a:prstGeom>
+        </p:spPr>
+      </p:pic>
+    </p:spTree>
+    <p:extLst>
+      <p:ext uri="{BB962C8B-B14F-4D97-AF65-F5344CB8AC3E}">
+        <p14:creationId xmlns:p14="http://schemas.microsoft.com/office/powerpoint/2010/main" val="3537217393"/>
+      </p:ext>
+    </p:extLst>
+  </p:cSld>
+  <p:clrMapOvr>
+    <a:masterClrMapping/>
+  </p:clrMapOvr>
+  <p:timing>
+    <p:tnLst>
+      <p:par>
+        <p:cTn id="1" dur="indefinite" restart="never" nodeType="tmRoot"/>
+      </p:par>
+    </p:tnLst>
+  </p:timing>
+</p:sld>
+</file>
+
+<file path=ppt/slides/slide8.xml><?xml version="1.0" encoding="utf-8"?>
+<p:sld xmlns:a="http://schemas.openxmlformats.org/drawingml/2006/main" xmlns:r="http://schemas.openxmlformats.org/officeDocument/2006/relationships" xmlns:p="http://schemas.openxmlformats.org/presentationml/2006/main">
+  <p:cSld>
+    <p:spTree>
+      <p:nvGrpSpPr>
+        <p:cNvPr id="1" name=""/>
+        <p:cNvGrpSpPr/>
+        <p:nvPr/>
+      </p:nvGrpSpPr>
+      <p:grpSpPr>
+        <a:xfrm>
+          <a:off x="0" y="0"/>
+          <a:ext cx="0" cy="0"/>
+          <a:chOff x="0" y="0"/>
+          <a:chExt cx="0" cy="0"/>
+        </a:xfrm>
+      </p:grpSpPr>
+      <p:sp>
+        <p:nvSpPr>
+          <p:cNvPr id="2" name="Title 1"/>
+          <p:cNvSpPr>
+            <a:spLocks noGrp="1"/>
+          </p:cNvSpPr>
+          <p:nvPr>
+            <p:ph type="title"/>
+          </p:nvPr>
+        </p:nvSpPr>
+        <p:spPr/>
+        <p:txBody>
+          <a:bodyPr/>
+          <a:lstStyle/>
+          <a:p>
+            <a:r>
+              <a:rPr lang="en-US" dirty="0" smtClean="0"/>
               <a:t>Tuning the Decision Tree Model</a:t>
             </a:r>
             <a:endParaRPr lang="en-US" dirty="0"/>
@@ -4862,6 +7658,9 @@
               <a:rPr lang="en-US" dirty="0" smtClean="0"/>
               <a:t>tree, default=30)</a:t>
             </a:r>
+          </a:p>
+          <a:p>
+            <a:endParaRPr lang="en-US" dirty="0" smtClean="0"/>
           </a:p>
           <a:p>
             <a:r>
@@ -4920,7 +7719,7 @@
         </p:blipFill>
         <p:spPr>
           <a:xfrm>
-            <a:off x="1097280" y="3676905"/>
+            <a:off x="1097280" y="4061218"/>
             <a:ext cx="4146763" cy="1225613"/>
           </a:xfrm>
           <a:prstGeom prst="rect">
@@ -4938,10 +7737,17 @@
   <p:clrMapOvr>
     <a:masterClrMapping/>
   </p:clrMapOvr>
+  <p:timing>
+    <p:tnLst>
+      <p:par>
+        <p:cTn id="1" dur="indefinite" restart="never" nodeType="tmRoot"/>
+      </p:par>
+    </p:tnLst>
+  </p:timing>
 </p:sld>
 </file>
 
-<file path=ppt/slides/slide7.xml><?xml version="1.0" encoding="utf-8"?>
+<file path=ppt/slides/slide9.xml><?xml version="1.0" encoding="utf-8"?>
 <p:sld xmlns:a="http://schemas.openxmlformats.org/drawingml/2006/main" xmlns:r="http://schemas.openxmlformats.org/officeDocument/2006/relationships" xmlns:p="http://schemas.openxmlformats.org/presentationml/2006/main">
   <p:cSld>
     <p:spTree>
@@ -5341,306 +8147,13 @@
   <p:clrMapOvr>
     <a:masterClrMapping/>
   </p:clrMapOvr>
-</p:sld>
-</file>
-
-<file path=ppt/slides/slide8.xml><?xml version="1.0" encoding="utf-8"?>
-<p:sld xmlns:a="http://schemas.openxmlformats.org/drawingml/2006/main" xmlns:r="http://schemas.openxmlformats.org/officeDocument/2006/relationships" xmlns:p="http://schemas.openxmlformats.org/presentationml/2006/main">
-  <p:cSld>
-    <p:spTree>
-      <p:nvGrpSpPr>
-        <p:cNvPr id="1" name=""/>
-        <p:cNvGrpSpPr/>
-        <p:nvPr/>
-      </p:nvGrpSpPr>
-      <p:grpSpPr>
-        <a:xfrm>
-          <a:off x="0" y="0"/>
-          <a:ext cx="0" cy="0"/>
-          <a:chOff x="0" y="0"/>
-          <a:chExt cx="0" cy="0"/>
-        </a:xfrm>
-      </p:grpSpPr>
-      <p:sp>
-        <p:nvSpPr>
-          <p:cNvPr id="2" name="Title 1"/>
-          <p:cNvSpPr>
-            <a:spLocks noGrp="1"/>
-          </p:cNvSpPr>
-          <p:nvPr>
-            <p:ph type="title"/>
-          </p:nvPr>
-        </p:nvSpPr>
-        <p:spPr/>
-        <p:txBody>
-          <a:bodyPr/>
-          <a:lstStyle/>
-          <a:p>
-            <a:r>
-              <a:rPr lang="en-US" dirty="0" smtClean="0"/>
-              <a:t>Random Forest Model</a:t>
-            </a:r>
-            <a:endParaRPr lang="en-US" dirty="0"/>
-          </a:p>
-        </p:txBody>
-      </p:sp>
-      <p:sp>
-        <p:nvSpPr>
-          <p:cNvPr id="3" name="Content Placeholder 2"/>
-          <p:cNvSpPr>
-            <a:spLocks noGrp="1"/>
-          </p:cNvSpPr>
-          <p:nvPr>
-            <p:ph idx="1"/>
-          </p:nvPr>
-        </p:nvSpPr>
-        <p:spPr/>
-        <p:txBody>
-          <a:bodyPr/>
-          <a:lstStyle/>
-          <a:p>
-            <a:r>
-              <a:rPr lang="en-US" smtClean="0"/>
-              <a:t>Trained an initial random forest model that will be optimized using hyperparameters</a:t>
-            </a:r>
-          </a:p>
-          <a:p>
-            <a:pPr lvl="1"/>
-            <a:r>
-              <a:rPr lang="en-US" smtClean="0"/>
-              <a:t>Pros: Reduces variance without increasing error and decorrelates trees</a:t>
-            </a:r>
-          </a:p>
-          <a:p>
-            <a:pPr lvl="1"/>
-            <a:r>
-              <a:rPr lang="en-US" smtClean="0"/>
-              <a:t>Cons: Loses visual interpretability</a:t>
-            </a:r>
-          </a:p>
-          <a:p>
-            <a:endParaRPr lang="en-US" smtClean="0"/>
-          </a:p>
-          <a:p>
-            <a:r>
-              <a:rPr lang="en-US" smtClean="0"/>
-              <a:t>Hyperparameters: </a:t>
-            </a:r>
-          </a:p>
-          <a:p>
-            <a:pPr lvl="1"/>
-            <a:r>
-              <a:rPr lang="en-US" smtClean="0"/>
-              <a:t>mtry (number of variables to sample at each split, default=4 for this data set)</a:t>
-            </a:r>
-          </a:p>
-          <a:p>
-            <a:pPr lvl="1"/>
-            <a:r>
-              <a:rPr lang="en-US" smtClean="0"/>
-              <a:t>nodesize (controls complexity, default=1)</a:t>
-            </a:r>
-          </a:p>
-          <a:p>
-            <a:pPr lvl="1"/>
-            <a:r>
-              <a:rPr lang="en-US" smtClean="0"/>
-              <a:t>sampsize (controls variability and randomness, 63.2% of observations)</a:t>
-            </a:r>
-            <a:endParaRPr lang="en-US" dirty="0"/>
-          </a:p>
-        </p:txBody>
-      </p:sp>
-    </p:spTree>
-    <p:extLst>
-      <p:ext uri="{BB962C8B-B14F-4D97-AF65-F5344CB8AC3E}">
-        <p14:creationId xmlns:p14="http://schemas.microsoft.com/office/powerpoint/2010/main" val="1684633516"/>
-      </p:ext>
-    </p:extLst>
-  </p:cSld>
-  <p:clrMapOvr>
-    <a:masterClrMapping/>
-  </p:clrMapOvr>
-</p:sld>
-</file>
-
-<file path=ppt/slides/slide9.xml><?xml version="1.0" encoding="utf-8"?>
-<p:sld xmlns:a="http://schemas.openxmlformats.org/drawingml/2006/main" xmlns:r="http://schemas.openxmlformats.org/officeDocument/2006/relationships" xmlns:p="http://schemas.openxmlformats.org/presentationml/2006/main">
-  <p:cSld>
-    <p:spTree>
-      <p:nvGrpSpPr>
-        <p:cNvPr id="1" name=""/>
-        <p:cNvGrpSpPr/>
-        <p:nvPr/>
-      </p:nvGrpSpPr>
-      <p:grpSpPr>
-        <a:xfrm>
-          <a:off x="0" y="0"/>
-          <a:ext cx="0" cy="0"/>
-          <a:chOff x="0" y="0"/>
-          <a:chExt cx="0" cy="0"/>
-        </a:xfrm>
-      </p:grpSpPr>
-      <p:sp>
-        <p:nvSpPr>
-          <p:cNvPr id="2" name="Title 1"/>
-          <p:cNvSpPr>
-            <a:spLocks noGrp="1"/>
-          </p:cNvSpPr>
-          <p:nvPr>
-            <p:ph type="title"/>
-          </p:nvPr>
-        </p:nvSpPr>
-        <p:spPr/>
-        <p:txBody>
-          <a:bodyPr/>
-          <a:lstStyle/>
-          <a:p>
-            <a:r>
-              <a:rPr lang="en-US" dirty="0" smtClean="0"/>
-              <a:t>Tuning the Random Forest Model</a:t>
-            </a:r>
-            <a:endParaRPr lang="en-US" dirty="0"/>
-          </a:p>
-        </p:txBody>
-      </p:sp>
-      <p:sp>
-        <p:nvSpPr>
-          <p:cNvPr id="3" name="Content Placeholder 2"/>
-          <p:cNvSpPr>
-            <a:spLocks noGrp="1"/>
-          </p:cNvSpPr>
-          <p:nvPr>
-            <p:ph idx="1"/>
-          </p:nvPr>
-        </p:nvSpPr>
-        <p:spPr/>
-        <p:txBody>
-          <a:bodyPr/>
-          <a:lstStyle/>
-          <a:p>
-            <a:r>
-              <a:rPr lang="en-US" dirty="0" err="1" smtClean="0"/>
-              <a:t>mtry</a:t>
-            </a:r>
-            <a:r>
-              <a:rPr lang="en-US" dirty="0" smtClean="0"/>
-              <a:t>, </a:t>
-            </a:r>
-            <a:r>
-              <a:rPr lang="en-US" dirty="0" err="1" smtClean="0"/>
-              <a:t>nodesize</a:t>
-            </a:r>
-            <a:r>
-              <a:rPr lang="en-US" dirty="0" smtClean="0"/>
-              <a:t>, </a:t>
-            </a:r>
-            <a:r>
-              <a:rPr lang="en-US" dirty="0" err="1" smtClean="0"/>
-              <a:t>sampsize</a:t>
-            </a:r>
-            <a:r>
-              <a:rPr lang="en-US" dirty="0" smtClean="0"/>
-              <a:t> were tuned using a grid search against the validation set</a:t>
-            </a:r>
-          </a:p>
-          <a:p>
-            <a:pPr lvl="1"/>
-            <a:r>
-              <a:rPr lang="en-US" dirty="0" err="1" smtClean="0"/>
-              <a:t>mtry</a:t>
-            </a:r>
-            <a:r>
-              <a:rPr lang="en-US" dirty="0" smtClean="0"/>
-              <a:t> range: 2-8, increments of 2</a:t>
-            </a:r>
-          </a:p>
-          <a:p>
-            <a:pPr lvl="1"/>
-            <a:r>
-              <a:rPr lang="en-US" dirty="0" err="1" smtClean="0"/>
-              <a:t>nodesize</a:t>
-            </a:r>
-            <a:r>
-              <a:rPr lang="en-US" dirty="0" smtClean="0"/>
-              <a:t> range: 2-8, increments of 2</a:t>
-            </a:r>
-          </a:p>
-          <a:p>
-            <a:pPr lvl="1"/>
-            <a:r>
-              <a:rPr lang="en-US" dirty="0" err="1" smtClean="0"/>
-              <a:t>sampsize</a:t>
-            </a:r>
-            <a:r>
-              <a:rPr lang="en-US" dirty="0" smtClean="0"/>
-              <a:t> range: 70 or 80% of the observations</a:t>
-            </a:r>
-          </a:p>
-          <a:p>
-            <a:pPr lvl="1"/>
-            <a:r>
-              <a:rPr lang="en-US" dirty="0" smtClean="0"/>
-              <a:t>32 possibilities in total</a:t>
-            </a:r>
-          </a:p>
-          <a:p>
-            <a:r>
-              <a:rPr lang="en-US" dirty="0" smtClean="0"/>
-              <a:t>Selected model with minimum Out-of-Bag (OOB) error</a:t>
-            </a:r>
-          </a:p>
-          <a:p>
-            <a:r>
-              <a:rPr lang="en-US" dirty="0" smtClean="0"/>
-              <a:t>Ideal Parameters</a:t>
-            </a:r>
-          </a:p>
-          <a:p>
-            <a:pPr lvl="1"/>
-            <a:r>
-              <a:rPr lang="en-US" dirty="0" err="1" smtClean="0"/>
-              <a:t>mtry</a:t>
-            </a:r>
-            <a:r>
-              <a:rPr lang="en-US" dirty="0" smtClean="0"/>
-              <a:t>: 8</a:t>
-            </a:r>
-          </a:p>
-          <a:p>
-            <a:pPr lvl="1"/>
-            <a:r>
-              <a:rPr lang="en-US" dirty="0" err="1" smtClean="0"/>
-              <a:t>nodesize</a:t>
-            </a:r>
-            <a:r>
-              <a:rPr lang="en-US" dirty="0" smtClean="0"/>
-              <a:t>: 8</a:t>
-            </a:r>
-          </a:p>
-          <a:p>
-            <a:pPr lvl="1"/>
-            <a:r>
-              <a:rPr lang="en-US" dirty="0" err="1" smtClean="0"/>
-              <a:t>Sampsize</a:t>
-            </a:r>
-            <a:r>
-              <a:rPr lang="en-US" dirty="0" smtClean="0"/>
-              <a:t>: 70% of observations</a:t>
-            </a:r>
-          </a:p>
-        </p:txBody>
-      </p:sp>
-    </p:spTree>
-    <p:extLst>
-      <p:ext uri="{BB962C8B-B14F-4D97-AF65-F5344CB8AC3E}">
-        <p14:creationId xmlns:p14="http://schemas.microsoft.com/office/powerpoint/2010/main" val="793952194"/>
-      </p:ext>
-    </p:extLst>
-  </p:cSld>
-  <p:clrMapOvr>
-    <a:masterClrMapping/>
-  </p:clrMapOvr>
+  <p:timing>
+    <p:tnLst>
+      <p:par>
+        <p:cTn id="1" dur="indefinite" restart="never" nodeType="tmRoot"/>
+      </p:par>
+    </p:tnLst>
+  </p:timing>
 </p:sld>
 </file>
 
